--- a/assets/images/education/education.pptx
+++ b/assets/images/education/education.pptx
@@ -4,9 +4,13 @@
   <p:sldMasterIdLst>
     <p:sldMasterId id="2147483648" r:id="rId1"/>
   </p:sldMasterIdLst>
+  <p:notesMasterIdLst>
+    <p:notesMasterId r:id="rId5"/>
+  </p:notesMasterIdLst>
   <p:sldIdLst>
     <p:sldId id="256" r:id="rId2"/>
     <p:sldId id="257" r:id="rId3"/>
+    <p:sldId id="258" r:id="rId4"/>
   </p:sldIdLst>
   <p:sldSz cx="12192000" cy="6858000"/>
   <p:notesSz cx="6858000" cy="9144000"/>
@@ -122,6 +126,451 @@
     </p:ext>
   </p:extLst>
 </p:presentation>
+</file>
+
+<file path=ppt/commentAuthors.xml><?xml version="1.0" encoding="utf-8"?>
+<p:cmAuthorLst xmlns:a="http://schemas.openxmlformats.org/drawingml/2006/main" xmlns:r="http://schemas.openxmlformats.org/officeDocument/2006/relationships" xmlns:p="http://schemas.openxmlformats.org/presentationml/2006/main">
+  <p:cmAuthor id="1" name="Kwangnam" initials="K" lastIdx="1" clrIdx="0">
+    <p:extLst>
+      <p:ext uri="{19B8F6BF-5375-455C-9EA6-DF929625EA0E}">
+        <p15:presenceInfo xmlns:p15="http://schemas.microsoft.com/office/powerpoint/2012/main" userId="e99878ae7f29cf65" providerId="Windows Live"/>
+      </p:ext>
+    </p:extLst>
+  </p:cmAuthor>
+</p:cmAuthorLst>
+</file>
+
+<file path=ppt/notesMasters/notesMaster1.xml><?xml version="1.0" encoding="utf-8"?>
+<p:notesMaster xmlns:a="http://schemas.openxmlformats.org/drawingml/2006/main" xmlns:r="http://schemas.openxmlformats.org/officeDocument/2006/relationships" xmlns:p="http://schemas.openxmlformats.org/presentationml/2006/main">
+  <p:cSld>
+    <p:bg>
+      <p:bgRef idx="1001">
+        <a:schemeClr val="bg1"/>
+      </p:bgRef>
+    </p:bg>
+    <p:spTree>
+      <p:nvGrpSpPr>
+        <p:cNvPr id="1" name=""/>
+        <p:cNvGrpSpPr/>
+        <p:nvPr/>
+      </p:nvGrpSpPr>
+      <p:grpSpPr>
+        <a:xfrm>
+          <a:off x="0" y="0"/>
+          <a:ext cx="0" cy="0"/>
+          <a:chOff x="0" y="0"/>
+          <a:chExt cx="0" cy="0"/>
+        </a:xfrm>
+      </p:grpSpPr>
+      <p:sp>
+        <p:nvSpPr>
+          <p:cNvPr id="2" name="머리글 개체 틀 1"/>
+          <p:cNvSpPr>
+            <a:spLocks noGrp="1"/>
+          </p:cNvSpPr>
+          <p:nvPr>
+            <p:ph type="hdr" sz="quarter"/>
+          </p:nvPr>
+        </p:nvSpPr>
+        <p:spPr>
+          <a:xfrm>
+            <a:off x="0" y="0"/>
+            <a:ext cx="2971800" cy="458788"/>
+          </a:xfrm>
+          <a:prstGeom prst="rect">
+            <a:avLst/>
+          </a:prstGeom>
+        </p:spPr>
+        <p:txBody>
+          <a:bodyPr vert="horz" lIns="91440" tIns="45720" rIns="91440" bIns="45720" rtlCol="0"/>
+          <a:lstStyle>
+            <a:lvl1pPr algn="l">
+              <a:defRPr sz="1200"/>
+            </a:lvl1pPr>
+          </a:lstStyle>
+          <a:p>
+            <a:endParaRPr lang="ko-KR" altLang="en-US"/>
+          </a:p>
+        </p:txBody>
+      </p:sp>
+      <p:sp>
+        <p:nvSpPr>
+          <p:cNvPr id="3" name="날짜 개체 틀 2"/>
+          <p:cNvSpPr>
+            <a:spLocks noGrp="1"/>
+          </p:cNvSpPr>
+          <p:nvPr>
+            <p:ph type="dt" idx="1"/>
+          </p:nvPr>
+        </p:nvSpPr>
+        <p:spPr>
+          <a:xfrm>
+            <a:off x="3884613" y="0"/>
+            <a:ext cx="2971800" cy="458788"/>
+          </a:xfrm>
+          <a:prstGeom prst="rect">
+            <a:avLst/>
+          </a:prstGeom>
+        </p:spPr>
+        <p:txBody>
+          <a:bodyPr vert="horz" lIns="91440" tIns="45720" rIns="91440" bIns="45720" rtlCol="0"/>
+          <a:lstStyle>
+            <a:lvl1pPr algn="r">
+              <a:defRPr sz="1200"/>
+            </a:lvl1pPr>
+          </a:lstStyle>
+          <a:p>
+            <a:fld id="{4DC902C9-0C68-476F-8B26-D81A10A9B9C5}" type="datetimeFigureOut">
+              <a:rPr lang="ko-KR" altLang="en-US" smtClean="0"/>
+              <a:t>2020-10-10</a:t>
+            </a:fld>
+            <a:endParaRPr lang="ko-KR" altLang="en-US"/>
+          </a:p>
+        </p:txBody>
+      </p:sp>
+      <p:sp>
+        <p:nvSpPr>
+          <p:cNvPr id="4" name="슬라이드 이미지 개체 틀 3"/>
+          <p:cNvSpPr>
+            <a:spLocks noGrp="1" noRot="1" noChangeAspect="1"/>
+          </p:cNvSpPr>
+          <p:nvPr>
+            <p:ph type="sldImg" idx="2"/>
+          </p:nvPr>
+        </p:nvSpPr>
+        <p:spPr>
+          <a:xfrm>
+            <a:off x="685800" y="1143000"/>
+            <a:ext cx="5486400" cy="3086100"/>
+          </a:xfrm>
+          <a:prstGeom prst="rect">
+            <a:avLst/>
+          </a:prstGeom>
+          <a:noFill/>
+          <a:ln w="12700">
+            <a:solidFill>
+              <a:prstClr val="black"/>
+            </a:solidFill>
+          </a:ln>
+        </p:spPr>
+        <p:txBody>
+          <a:bodyPr vert="horz" lIns="91440" tIns="45720" rIns="91440" bIns="45720" rtlCol="0" anchor="ctr"/>
+          <a:lstStyle/>
+          <a:p>
+            <a:endParaRPr lang="ko-KR" altLang="en-US"/>
+          </a:p>
+        </p:txBody>
+      </p:sp>
+      <p:sp>
+        <p:nvSpPr>
+          <p:cNvPr id="5" name="슬라이드 노트 개체 틀 4"/>
+          <p:cNvSpPr>
+            <a:spLocks noGrp="1"/>
+          </p:cNvSpPr>
+          <p:nvPr>
+            <p:ph type="body" sz="quarter" idx="3"/>
+          </p:nvPr>
+        </p:nvSpPr>
+        <p:spPr>
+          <a:xfrm>
+            <a:off x="685800" y="4400550"/>
+            <a:ext cx="5486400" cy="3600450"/>
+          </a:xfrm>
+          <a:prstGeom prst="rect">
+            <a:avLst/>
+          </a:prstGeom>
+        </p:spPr>
+        <p:txBody>
+          <a:bodyPr vert="horz" lIns="91440" tIns="45720" rIns="91440" bIns="45720" rtlCol="0"/>
+          <a:lstStyle/>
+          <a:p>
+            <a:pPr lvl="0"/>
+            <a:r>
+              <a:rPr lang="ko-KR" altLang="en-US"/>
+              <a:t>마스터 텍스트 스타일을 편집하려면 클릭</a:t>
+            </a:r>
+          </a:p>
+          <a:p>
+            <a:pPr lvl="1"/>
+            <a:r>
+              <a:rPr lang="ko-KR" altLang="en-US"/>
+              <a:t>두 번째 수준</a:t>
+            </a:r>
+          </a:p>
+          <a:p>
+            <a:pPr lvl="2"/>
+            <a:r>
+              <a:rPr lang="ko-KR" altLang="en-US"/>
+              <a:t>세 번째 수준</a:t>
+            </a:r>
+          </a:p>
+          <a:p>
+            <a:pPr lvl="3"/>
+            <a:r>
+              <a:rPr lang="ko-KR" altLang="en-US"/>
+              <a:t>네 번째 수준</a:t>
+            </a:r>
+          </a:p>
+          <a:p>
+            <a:pPr lvl="4"/>
+            <a:r>
+              <a:rPr lang="ko-KR" altLang="en-US"/>
+              <a:t>다섯 번째 수준</a:t>
+            </a:r>
+          </a:p>
+        </p:txBody>
+      </p:sp>
+      <p:sp>
+        <p:nvSpPr>
+          <p:cNvPr id="6" name="바닥글 개체 틀 5"/>
+          <p:cNvSpPr>
+            <a:spLocks noGrp="1"/>
+          </p:cNvSpPr>
+          <p:nvPr>
+            <p:ph type="ftr" sz="quarter" idx="4"/>
+          </p:nvPr>
+        </p:nvSpPr>
+        <p:spPr>
+          <a:xfrm>
+            <a:off x="0" y="8685213"/>
+            <a:ext cx="2971800" cy="458787"/>
+          </a:xfrm>
+          <a:prstGeom prst="rect">
+            <a:avLst/>
+          </a:prstGeom>
+        </p:spPr>
+        <p:txBody>
+          <a:bodyPr vert="horz" lIns="91440" tIns="45720" rIns="91440" bIns="45720" rtlCol="0" anchor="b"/>
+          <a:lstStyle>
+            <a:lvl1pPr algn="l">
+              <a:defRPr sz="1200"/>
+            </a:lvl1pPr>
+          </a:lstStyle>
+          <a:p>
+            <a:endParaRPr lang="ko-KR" altLang="en-US"/>
+          </a:p>
+        </p:txBody>
+      </p:sp>
+      <p:sp>
+        <p:nvSpPr>
+          <p:cNvPr id="7" name="슬라이드 번호 개체 틀 6"/>
+          <p:cNvSpPr>
+            <a:spLocks noGrp="1"/>
+          </p:cNvSpPr>
+          <p:nvPr>
+            <p:ph type="sldNum" sz="quarter" idx="5"/>
+          </p:nvPr>
+        </p:nvSpPr>
+        <p:spPr>
+          <a:xfrm>
+            <a:off x="3884613" y="8685213"/>
+            <a:ext cx="2971800" cy="458787"/>
+          </a:xfrm>
+          <a:prstGeom prst="rect">
+            <a:avLst/>
+          </a:prstGeom>
+        </p:spPr>
+        <p:txBody>
+          <a:bodyPr vert="horz" lIns="91440" tIns="45720" rIns="91440" bIns="45720" rtlCol="0" anchor="b"/>
+          <a:lstStyle>
+            <a:lvl1pPr algn="r">
+              <a:defRPr sz="1200"/>
+            </a:lvl1pPr>
+          </a:lstStyle>
+          <a:p>
+            <a:fld id="{035AD33B-CACE-4181-BC34-DB0EE28D8179}" type="slidenum">
+              <a:rPr lang="ko-KR" altLang="en-US" smtClean="0"/>
+              <a:t>‹#›</a:t>
+            </a:fld>
+            <a:endParaRPr lang="ko-KR" altLang="en-US"/>
+          </a:p>
+        </p:txBody>
+      </p:sp>
+    </p:spTree>
+    <p:extLst>
+      <p:ext uri="{BB962C8B-B14F-4D97-AF65-F5344CB8AC3E}">
+        <p14:creationId xmlns:p14="http://schemas.microsoft.com/office/powerpoint/2010/main" val="2933811108"/>
+      </p:ext>
+    </p:extLst>
+  </p:cSld>
+  <p:clrMap bg1="lt1" tx1="dk1" bg2="lt2" tx2="dk2" accent1="accent1" accent2="accent2" accent3="accent3" accent4="accent4" accent5="accent5" accent6="accent6" hlink="hlink" folHlink="folHlink"/>
+  <p:notesStyle>
+    <a:lvl1pPr marL="0" algn="l" defTabSz="914400" rtl="0" eaLnBrk="1" latinLnBrk="1" hangingPunct="1">
+      <a:defRPr sz="1200" kern="1200">
+        <a:solidFill>
+          <a:schemeClr val="tx1"/>
+        </a:solidFill>
+        <a:latin typeface="+mn-lt"/>
+        <a:ea typeface="+mn-ea"/>
+        <a:cs typeface="+mn-cs"/>
+      </a:defRPr>
+    </a:lvl1pPr>
+    <a:lvl2pPr marL="457200" algn="l" defTabSz="914400" rtl="0" eaLnBrk="1" latinLnBrk="1" hangingPunct="1">
+      <a:defRPr sz="1200" kern="1200">
+        <a:solidFill>
+          <a:schemeClr val="tx1"/>
+        </a:solidFill>
+        <a:latin typeface="+mn-lt"/>
+        <a:ea typeface="+mn-ea"/>
+        <a:cs typeface="+mn-cs"/>
+      </a:defRPr>
+    </a:lvl2pPr>
+    <a:lvl3pPr marL="914400" algn="l" defTabSz="914400" rtl="0" eaLnBrk="1" latinLnBrk="1" hangingPunct="1">
+      <a:defRPr sz="1200" kern="1200">
+        <a:solidFill>
+          <a:schemeClr val="tx1"/>
+        </a:solidFill>
+        <a:latin typeface="+mn-lt"/>
+        <a:ea typeface="+mn-ea"/>
+        <a:cs typeface="+mn-cs"/>
+      </a:defRPr>
+    </a:lvl3pPr>
+    <a:lvl4pPr marL="1371600" algn="l" defTabSz="914400" rtl="0" eaLnBrk="1" latinLnBrk="1" hangingPunct="1">
+      <a:defRPr sz="1200" kern="1200">
+        <a:solidFill>
+          <a:schemeClr val="tx1"/>
+        </a:solidFill>
+        <a:latin typeface="+mn-lt"/>
+        <a:ea typeface="+mn-ea"/>
+        <a:cs typeface="+mn-cs"/>
+      </a:defRPr>
+    </a:lvl4pPr>
+    <a:lvl5pPr marL="1828800" algn="l" defTabSz="914400" rtl="0" eaLnBrk="1" latinLnBrk="1" hangingPunct="1">
+      <a:defRPr sz="1200" kern="1200">
+        <a:solidFill>
+          <a:schemeClr val="tx1"/>
+        </a:solidFill>
+        <a:latin typeface="+mn-lt"/>
+        <a:ea typeface="+mn-ea"/>
+        <a:cs typeface="+mn-cs"/>
+      </a:defRPr>
+    </a:lvl5pPr>
+    <a:lvl6pPr marL="2286000" algn="l" defTabSz="914400" rtl="0" eaLnBrk="1" latinLnBrk="1" hangingPunct="1">
+      <a:defRPr sz="1200" kern="1200">
+        <a:solidFill>
+          <a:schemeClr val="tx1"/>
+        </a:solidFill>
+        <a:latin typeface="+mn-lt"/>
+        <a:ea typeface="+mn-ea"/>
+        <a:cs typeface="+mn-cs"/>
+      </a:defRPr>
+    </a:lvl6pPr>
+    <a:lvl7pPr marL="2743200" algn="l" defTabSz="914400" rtl="0" eaLnBrk="1" latinLnBrk="1" hangingPunct="1">
+      <a:defRPr sz="1200" kern="1200">
+        <a:solidFill>
+          <a:schemeClr val="tx1"/>
+        </a:solidFill>
+        <a:latin typeface="+mn-lt"/>
+        <a:ea typeface="+mn-ea"/>
+        <a:cs typeface="+mn-cs"/>
+      </a:defRPr>
+    </a:lvl7pPr>
+    <a:lvl8pPr marL="3200400" algn="l" defTabSz="914400" rtl="0" eaLnBrk="1" latinLnBrk="1" hangingPunct="1">
+      <a:defRPr sz="1200" kern="1200">
+        <a:solidFill>
+          <a:schemeClr val="tx1"/>
+        </a:solidFill>
+        <a:latin typeface="+mn-lt"/>
+        <a:ea typeface="+mn-ea"/>
+        <a:cs typeface="+mn-cs"/>
+      </a:defRPr>
+    </a:lvl8pPr>
+    <a:lvl9pPr marL="3657600" algn="l" defTabSz="914400" rtl="0" eaLnBrk="1" latinLnBrk="1" hangingPunct="1">
+      <a:defRPr sz="1200" kern="1200">
+        <a:solidFill>
+          <a:schemeClr val="tx1"/>
+        </a:solidFill>
+        <a:latin typeface="+mn-lt"/>
+        <a:ea typeface="+mn-ea"/>
+        <a:cs typeface="+mn-cs"/>
+      </a:defRPr>
+    </a:lvl9pPr>
+  </p:notesStyle>
+</p:notesMaster>
+</file>
+
+<file path=ppt/notesSlides/notesSlide1.xml><?xml version="1.0" encoding="utf-8"?>
+<p:notes xmlns:a="http://schemas.openxmlformats.org/drawingml/2006/main" xmlns:r="http://schemas.openxmlformats.org/officeDocument/2006/relationships" xmlns:p="http://schemas.openxmlformats.org/presentationml/2006/main">
+  <p:cSld>
+    <p:spTree>
+      <p:nvGrpSpPr>
+        <p:cNvPr id="1" name=""/>
+        <p:cNvGrpSpPr/>
+        <p:nvPr/>
+      </p:nvGrpSpPr>
+      <p:grpSpPr>
+        <a:xfrm>
+          <a:off x="0" y="0"/>
+          <a:ext cx="0" cy="0"/>
+          <a:chOff x="0" y="0"/>
+          <a:chExt cx="0" cy="0"/>
+        </a:xfrm>
+      </p:grpSpPr>
+      <p:sp>
+        <p:nvSpPr>
+          <p:cNvPr id="2" name="슬라이드 이미지 개체 틀 1"/>
+          <p:cNvSpPr>
+            <a:spLocks noGrp="1" noRot="1" noChangeAspect="1"/>
+          </p:cNvSpPr>
+          <p:nvPr>
+            <p:ph type="sldImg"/>
+          </p:nvPr>
+        </p:nvSpPr>
+        <p:spPr/>
+      </p:sp>
+      <p:sp>
+        <p:nvSpPr>
+          <p:cNvPr id="3" name="슬라이드 노트 개체 틀 2"/>
+          <p:cNvSpPr>
+            <a:spLocks noGrp="1"/>
+          </p:cNvSpPr>
+          <p:nvPr>
+            <p:ph type="body" idx="1"/>
+          </p:nvPr>
+        </p:nvSpPr>
+        <p:spPr/>
+        <p:txBody>
+          <a:bodyPr/>
+          <a:lstStyle/>
+          <a:p>
+            <a:endParaRPr lang="ko-KR" altLang="en-US" dirty="0"/>
+          </a:p>
+        </p:txBody>
+      </p:sp>
+      <p:sp>
+        <p:nvSpPr>
+          <p:cNvPr id="4" name="슬라이드 번호 개체 틀 3"/>
+          <p:cNvSpPr>
+            <a:spLocks noGrp="1"/>
+          </p:cNvSpPr>
+          <p:nvPr>
+            <p:ph type="sldNum" sz="quarter" idx="5"/>
+          </p:nvPr>
+        </p:nvSpPr>
+        <p:spPr/>
+        <p:txBody>
+          <a:bodyPr/>
+          <a:lstStyle/>
+          <a:p>
+            <a:fld id="{035AD33B-CACE-4181-BC34-DB0EE28D8179}" type="slidenum">
+              <a:rPr lang="ko-KR" altLang="en-US" smtClean="0"/>
+              <a:t>3</a:t>
+            </a:fld>
+            <a:endParaRPr lang="ko-KR" altLang="en-US"/>
+          </a:p>
+        </p:txBody>
+      </p:sp>
+    </p:spTree>
+    <p:extLst>
+      <p:ext uri="{BB962C8B-B14F-4D97-AF65-F5344CB8AC3E}">
+        <p14:creationId xmlns:p14="http://schemas.microsoft.com/office/powerpoint/2010/main" val="2515283839"/>
+      </p:ext>
+    </p:extLst>
+  </p:cSld>
+  <p:clrMapOvr>
+    <a:masterClrMapping/>
+  </p:clrMapOvr>
+</p:notes>
 </file>
 
 <file path=ppt/slideLayouts/slideLayout1.xml><?xml version="1.0" encoding="utf-8"?>
@@ -5621,6 +6070,2256 @@
 </p:sld>
 </file>
 
+<file path=ppt/slides/slide3.xml><?xml version="1.0" encoding="utf-8"?>
+<p:sld xmlns:a="http://schemas.openxmlformats.org/drawingml/2006/main" xmlns:r="http://schemas.openxmlformats.org/officeDocument/2006/relationships" xmlns:p="http://schemas.openxmlformats.org/presentationml/2006/main">
+  <p:cSld>
+    <p:spTree>
+      <p:nvGrpSpPr>
+        <p:cNvPr id="1" name=""/>
+        <p:cNvGrpSpPr/>
+        <p:nvPr/>
+      </p:nvGrpSpPr>
+      <p:grpSpPr>
+        <a:xfrm>
+          <a:off x="0" y="0"/>
+          <a:ext cx="0" cy="0"/>
+          <a:chOff x="0" y="0"/>
+          <a:chExt cx="0" cy="0"/>
+        </a:xfrm>
+      </p:grpSpPr>
+      <p:grpSp>
+        <p:nvGrpSpPr>
+          <p:cNvPr id="108" name="그룹 107">
+            <a:extLst>
+              <a:ext uri="{FF2B5EF4-FFF2-40B4-BE49-F238E27FC236}">
+                <a16:creationId xmlns:a16="http://schemas.microsoft.com/office/drawing/2014/main" id="{4FECF4EF-C491-4D03-9411-E90723E88DE0}"/>
+              </a:ext>
+            </a:extLst>
+          </p:cNvPr>
+          <p:cNvGrpSpPr/>
+          <p:nvPr/>
+        </p:nvGrpSpPr>
+        <p:grpSpPr>
+          <a:xfrm>
+            <a:off x="84333" y="1904278"/>
+            <a:ext cx="4962018" cy="3046388"/>
+            <a:chOff x="84333" y="1628807"/>
+            <a:chExt cx="4962018" cy="3046388"/>
+          </a:xfrm>
+        </p:grpSpPr>
+        <p:pic>
+          <p:nvPicPr>
+            <p:cNvPr id="4" name="그림 3">
+              <a:extLst>
+                <a:ext uri="{FF2B5EF4-FFF2-40B4-BE49-F238E27FC236}">
+                  <a16:creationId xmlns:a16="http://schemas.microsoft.com/office/drawing/2014/main" id="{8179B81D-FD2A-407F-A1AF-33F9AB61F433}"/>
+                </a:ext>
+              </a:extLst>
+            </p:cNvPr>
+            <p:cNvPicPr>
+              <a:picLocks noChangeAspect="1"/>
+            </p:cNvPicPr>
+            <p:nvPr/>
+          </p:nvPicPr>
+          <p:blipFill>
+            <a:blip r:embed="rId3"/>
+            <a:stretch>
+              <a:fillRect/>
+            </a:stretch>
+          </p:blipFill>
+          <p:spPr>
+            <a:xfrm>
+              <a:off x="2565343" y="2182805"/>
+              <a:ext cx="2481008" cy="2492390"/>
+            </a:xfrm>
+            <a:prstGeom prst="rect">
+              <a:avLst/>
+            </a:prstGeom>
+          </p:spPr>
+        </p:pic>
+        <p:pic>
+          <p:nvPicPr>
+            <p:cNvPr id="28" name="그림 27">
+              <a:extLst>
+                <a:ext uri="{FF2B5EF4-FFF2-40B4-BE49-F238E27FC236}">
+                  <a16:creationId xmlns:a16="http://schemas.microsoft.com/office/drawing/2014/main" id="{901D3FAE-C348-4ABE-A783-36F80F825B42}"/>
+                </a:ext>
+              </a:extLst>
+            </p:cNvPr>
+            <p:cNvPicPr>
+              <a:picLocks noChangeAspect="1"/>
+            </p:cNvPicPr>
+            <p:nvPr/>
+          </p:nvPicPr>
+          <p:blipFill>
+            <a:blip r:embed="rId4"/>
+            <a:stretch>
+              <a:fillRect/>
+            </a:stretch>
+          </p:blipFill>
+          <p:spPr>
+            <a:xfrm>
+              <a:off x="84333" y="2182805"/>
+              <a:ext cx="2481009" cy="2492390"/>
+            </a:xfrm>
+            <a:prstGeom prst="rect">
+              <a:avLst/>
+            </a:prstGeom>
+          </p:spPr>
+        </p:pic>
+        <p:sp>
+          <p:nvSpPr>
+            <p:cNvPr id="29" name="TextBox 28">
+              <a:extLst>
+                <a:ext uri="{FF2B5EF4-FFF2-40B4-BE49-F238E27FC236}">
+                  <a16:creationId xmlns:a16="http://schemas.microsoft.com/office/drawing/2014/main" id="{4EE1F145-0298-46A5-82F3-E5D74F41203A}"/>
+                </a:ext>
+              </a:extLst>
+            </p:cNvPr>
+            <p:cNvSpPr txBox="1"/>
+            <p:nvPr/>
+          </p:nvSpPr>
+          <p:spPr>
+            <a:xfrm>
+              <a:off x="1923980" y="1628807"/>
+              <a:ext cx="1282723" cy="553998"/>
+            </a:xfrm>
+            <a:prstGeom prst="rect">
+              <a:avLst/>
+            </a:prstGeom>
+            <a:noFill/>
+          </p:spPr>
+          <p:txBody>
+            <a:bodyPr wrap="none" rtlCol="0">
+              <a:spAutoFit/>
+            </a:bodyPr>
+            <a:lstStyle/>
+            <a:p>
+              <a:r>
+                <a:rPr lang="en-US" altLang="ko-KR" sz="3000" b="1" dirty="0"/>
+                <a:t>28x28</a:t>
+              </a:r>
+              <a:endParaRPr lang="ko-KR" altLang="en-US" sz="3000" b="1" dirty="0"/>
+            </a:p>
+          </p:txBody>
+        </p:sp>
+      </p:grpSp>
+      <p:grpSp>
+        <p:nvGrpSpPr>
+          <p:cNvPr id="90" name="그룹 89">
+            <a:extLst>
+              <a:ext uri="{FF2B5EF4-FFF2-40B4-BE49-F238E27FC236}">
+                <a16:creationId xmlns:a16="http://schemas.microsoft.com/office/drawing/2014/main" id="{BC492C1F-2107-4411-890B-61D3BAF1477D}"/>
+              </a:ext>
+            </a:extLst>
+          </p:cNvPr>
+          <p:cNvGrpSpPr/>
+          <p:nvPr/>
+        </p:nvGrpSpPr>
+        <p:grpSpPr>
+          <a:xfrm>
+            <a:off x="10868002" y="2096249"/>
+            <a:ext cx="727969" cy="2662446"/>
+            <a:chOff x="9351746" y="2113742"/>
+            <a:chExt cx="727969" cy="2662446"/>
+          </a:xfrm>
+        </p:grpSpPr>
+        <p:sp>
+          <p:nvSpPr>
+            <p:cNvPr id="8" name="직사각형 7">
+              <a:extLst>
+                <a:ext uri="{FF2B5EF4-FFF2-40B4-BE49-F238E27FC236}">
+                  <a16:creationId xmlns:a16="http://schemas.microsoft.com/office/drawing/2014/main" id="{6A826404-D8C2-4378-A279-D5342ABA1E27}"/>
+                </a:ext>
+              </a:extLst>
+            </p:cNvPr>
+            <p:cNvSpPr/>
+            <p:nvPr/>
+          </p:nvSpPr>
+          <p:spPr>
+            <a:xfrm>
+              <a:off x="9351746" y="2667742"/>
+              <a:ext cx="727969" cy="2108446"/>
+            </a:xfrm>
+            <a:prstGeom prst="rect">
+              <a:avLst/>
+            </a:prstGeom>
+            <a:solidFill>
+              <a:srgbClr val="00B0F0"/>
+            </a:solidFill>
+            <a:ln>
+              <a:noFill/>
+            </a:ln>
+          </p:spPr>
+          <p:style>
+            <a:lnRef idx="2">
+              <a:schemeClr val="accent1">
+                <a:shade val="50000"/>
+              </a:schemeClr>
+            </a:lnRef>
+            <a:fillRef idx="1">
+              <a:schemeClr val="accent1"/>
+            </a:fillRef>
+            <a:effectRef idx="0">
+              <a:schemeClr val="accent1"/>
+            </a:effectRef>
+            <a:fontRef idx="minor">
+              <a:schemeClr val="lt1"/>
+            </a:fontRef>
+          </p:style>
+          <p:txBody>
+            <a:bodyPr rtlCol="0" anchor="ctr"/>
+            <a:lstStyle/>
+            <a:p>
+              <a:pPr algn="ctr"/>
+              <a:endParaRPr lang="ko-KR" altLang="en-US"/>
+            </a:p>
+          </p:txBody>
+        </p:sp>
+        <p:sp>
+          <p:nvSpPr>
+            <p:cNvPr id="33" name="TextBox 32">
+              <a:extLst>
+                <a:ext uri="{FF2B5EF4-FFF2-40B4-BE49-F238E27FC236}">
+                  <a16:creationId xmlns:a16="http://schemas.microsoft.com/office/drawing/2014/main" id="{1AD591FA-FE24-48B6-AF50-AD771A2B9923}"/>
+                </a:ext>
+              </a:extLst>
+            </p:cNvPr>
+            <p:cNvSpPr txBox="1"/>
+            <p:nvPr/>
+          </p:nvSpPr>
+          <p:spPr>
+            <a:xfrm>
+              <a:off x="9400580" y="2113742"/>
+              <a:ext cx="630301" cy="553998"/>
+            </a:xfrm>
+            <a:prstGeom prst="rect">
+              <a:avLst/>
+            </a:prstGeom>
+            <a:noFill/>
+          </p:spPr>
+          <p:txBody>
+            <a:bodyPr wrap="none" rtlCol="0">
+              <a:spAutoFit/>
+            </a:bodyPr>
+            <a:lstStyle/>
+            <a:p>
+              <a:r>
+                <a:rPr lang="en-US" altLang="ko-KR" sz="3000" b="1" dirty="0"/>
+                <a:t>10</a:t>
+              </a:r>
+              <a:endParaRPr lang="ko-KR" altLang="en-US" sz="3000" b="1" dirty="0"/>
+            </a:p>
+          </p:txBody>
+        </p:sp>
+        <mc:AlternateContent xmlns:mc="http://schemas.openxmlformats.org/markup-compatibility/2006">
+          <mc:Choice xmlns:a14="http://schemas.microsoft.com/office/drawing/2010/main" Requires="a14">
+            <p:sp>
+              <p:nvSpPr>
+                <p:cNvPr id="39" name="TextBox 38">
+                  <a:extLst>
+                    <a:ext uri="{FF2B5EF4-FFF2-40B4-BE49-F238E27FC236}">
+                      <a16:creationId xmlns:a16="http://schemas.microsoft.com/office/drawing/2014/main" id="{DAC6697C-4392-40B9-B844-C9B5F98E177C}"/>
+                    </a:ext>
+                  </a:extLst>
+                </p:cNvPr>
+                <p:cNvSpPr txBox="1"/>
+                <p:nvPr/>
+              </p:nvSpPr>
+              <p:spPr>
+                <a:xfrm>
+                  <a:off x="9543760" y="2614472"/>
+                  <a:ext cx="343940" cy="307777"/>
+                </a:xfrm>
+                <a:prstGeom prst="rect">
+                  <a:avLst/>
+                </a:prstGeom>
+                <a:noFill/>
+              </p:spPr>
+              <p:txBody>
+                <a:bodyPr wrap="square" lIns="0" tIns="0" rIns="0" bIns="0" rtlCol="0">
+                  <a:spAutoFit/>
+                </a:bodyPr>
+                <a:lstStyle/>
+                <a:p>
+                  <a14:m>
+                    <m:oMathPara xmlns:m="http://schemas.openxmlformats.org/officeDocument/2006/math">
+                      <m:oMathParaPr>
+                        <m:jc m:val="centerGroup"/>
+                      </m:oMathParaPr>
+                      <m:oMath xmlns:m="http://schemas.openxmlformats.org/officeDocument/2006/math">
+                        <m:sSub>
+                          <m:sSubPr>
+                            <m:ctrlPr>
+                              <a:rPr lang="en-US" altLang="ko-KR" sz="2000" i="1" smtClean="0">
+                                <a:latin typeface="Cambria Math" panose="02040503050406030204" pitchFamily="18" charset="0"/>
+                              </a:rPr>
+                            </m:ctrlPr>
+                          </m:sSubPr>
+                          <m:e>
+                            <m:r>
+                              <a:rPr lang="en-US" altLang="ko-KR" sz="2000" b="0" i="1" smtClean="0">
+                                <a:latin typeface="Cambria Math" panose="02040503050406030204" pitchFamily="18" charset="0"/>
+                              </a:rPr>
+                              <m:t>𝑝</m:t>
+                            </m:r>
+                          </m:e>
+                          <m:sub>
+                            <m:r>
+                              <a:rPr lang="en-US" altLang="ko-KR" sz="2000" b="0" i="1" smtClean="0">
+                                <a:latin typeface="Cambria Math" panose="02040503050406030204" pitchFamily="18" charset="0"/>
+                              </a:rPr>
+                              <m:t>0</m:t>
+                            </m:r>
+                          </m:sub>
+                        </m:sSub>
+                      </m:oMath>
+                    </m:oMathPara>
+                  </a14:m>
+                  <a:endParaRPr lang="ko-KR" altLang="en-US" sz="2000" dirty="0"/>
+                </a:p>
+              </p:txBody>
+            </p:sp>
+          </mc:Choice>
+          <mc:Fallback>
+            <p:sp>
+              <p:nvSpPr>
+                <p:cNvPr id="39" name="TextBox 38">
+                  <a:extLst>
+                    <a:ext uri="{FF2B5EF4-FFF2-40B4-BE49-F238E27FC236}">
+                      <a16:creationId xmlns:a16="http://schemas.microsoft.com/office/drawing/2014/main" id="{DAC6697C-4392-40B9-B844-C9B5F98E177C}"/>
+                    </a:ext>
+                  </a:extLst>
+                </p:cNvPr>
+                <p:cNvSpPr txBox="1">
+                  <a:spLocks noRot="1" noChangeAspect="1" noMove="1" noResize="1" noEditPoints="1" noAdjustHandles="1" noChangeArrowheads="1" noChangeShapeType="1" noTextEdit="1"/>
+                </p:cNvSpPr>
+                <p:nvPr/>
+              </p:nvSpPr>
+              <p:spPr>
+                <a:xfrm>
+                  <a:off x="9543760" y="2614472"/>
+                  <a:ext cx="343940" cy="307777"/>
+                </a:xfrm>
+                <a:prstGeom prst="rect">
+                  <a:avLst/>
+                </a:prstGeom>
+                <a:blipFill>
+                  <a:blip r:embed="rId5"/>
+                  <a:stretch>
+                    <a:fillRect l="-14035" r="-1754" b="-27451"/>
+                  </a:stretch>
+                </a:blipFill>
+              </p:spPr>
+              <p:txBody>
+                <a:bodyPr/>
+                <a:lstStyle/>
+                <a:p>
+                  <a:r>
+                    <a:rPr lang="ko-KR" altLang="en-US">
+                      <a:noFill/>
+                    </a:rPr>
+                    <a:t> </a:t>
+                  </a:r>
+                </a:p>
+              </p:txBody>
+            </p:sp>
+          </mc:Fallback>
+        </mc:AlternateContent>
+        <mc:AlternateContent xmlns:mc="http://schemas.openxmlformats.org/markup-compatibility/2006">
+          <mc:Choice xmlns:a14="http://schemas.microsoft.com/office/drawing/2010/main" Requires="a14">
+            <p:sp>
+              <p:nvSpPr>
+                <p:cNvPr id="41" name="TextBox 40">
+                  <a:extLst>
+                    <a:ext uri="{FF2B5EF4-FFF2-40B4-BE49-F238E27FC236}">
+                      <a16:creationId xmlns:a16="http://schemas.microsoft.com/office/drawing/2014/main" id="{0E020778-AE29-40A2-958E-48EFC87B3259}"/>
+                    </a:ext>
+                  </a:extLst>
+                </p:cNvPr>
+                <p:cNvSpPr txBox="1"/>
+                <p:nvPr/>
+              </p:nvSpPr>
+              <p:spPr>
+                <a:xfrm>
+                  <a:off x="9543760" y="2916146"/>
+                  <a:ext cx="343940" cy="307777"/>
+                </a:xfrm>
+                <a:prstGeom prst="rect">
+                  <a:avLst/>
+                </a:prstGeom>
+                <a:noFill/>
+              </p:spPr>
+              <p:txBody>
+                <a:bodyPr wrap="square" lIns="0" tIns="0" rIns="0" bIns="0" rtlCol="0">
+                  <a:spAutoFit/>
+                </a:bodyPr>
+                <a:lstStyle/>
+                <a:p>
+                  <a:pPr/>
+                  <a14:m>
+                    <m:oMathPara xmlns:m="http://schemas.openxmlformats.org/officeDocument/2006/math">
+                      <m:oMathParaPr>
+                        <m:jc m:val="centerGroup"/>
+                      </m:oMathParaPr>
+                      <m:oMath xmlns:m="http://schemas.openxmlformats.org/officeDocument/2006/math">
+                        <m:sSub>
+                          <m:sSubPr>
+                            <m:ctrlPr>
+                              <a:rPr lang="en-US" altLang="ko-KR" sz="2000" i="1" smtClean="0">
+                                <a:latin typeface="Cambria Math" panose="02040503050406030204" pitchFamily="18" charset="0"/>
+                              </a:rPr>
+                            </m:ctrlPr>
+                          </m:sSubPr>
+                          <m:e>
+                            <m:r>
+                              <a:rPr lang="en-US" altLang="ko-KR" sz="2000" b="0" i="1" smtClean="0">
+                                <a:latin typeface="Cambria Math" panose="02040503050406030204" pitchFamily="18" charset="0"/>
+                              </a:rPr>
+                              <m:t>𝑝</m:t>
+                            </m:r>
+                          </m:e>
+                          <m:sub>
+                            <m:r>
+                              <a:rPr lang="en-US" altLang="ko-KR" sz="2000" b="0" i="1" smtClean="0">
+                                <a:latin typeface="Cambria Math" panose="02040503050406030204" pitchFamily="18" charset="0"/>
+                              </a:rPr>
+                              <m:t>1</m:t>
+                            </m:r>
+                          </m:sub>
+                        </m:sSub>
+                      </m:oMath>
+                    </m:oMathPara>
+                  </a14:m>
+                  <a:endParaRPr lang="ko-KR" altLang="en-US" sz="2000" dirty="0"/>
+                </a:p>
+              </p:txBody>
+            </p:sp>
+          </mc:Choice>
+          <mc:Fallback>
+            <p:sp>
+              <p:nvSpPr>
+                <p:cNvPr id="41" name="TextBox 40">
+                  <a:extLst>
+                    <a:ext uri="{FF2B5EF4-FFF2-40B4-BE49-F238E27FC236}">
+                      <a16:creationId xmlns:a16="http://schemas.microsoft.com/office/drawing/2014/main" id="{0E020778-AE29-40A2-958E-48EFC87B3259}"/>
+                    </a:ext>
+                  </a:extLst>
+                </p:cNvPr>
+                <p:cNvSpPr txBox="1">
+                  <a:spLocks noRot="1" noChangeAspect="1" noMove="1" noResize="1" noEditPoints="1" noAdjustHandles="1" noChangeArrowheads="1" noChangeShapeType="1" noTextEdit="1"/>
+                </p:cNvSpPr>
+                <p:nvPr/>
+              </p:nvSpPr>
+              <p:spPr>
+                <a:xfrm>
+                  <a:off x="9543760" y="2916146"/>
+                  <a:ext cx="343940" cy="307777"/>
+                </a:xfrm>
+                <a:prstGeom prst="rect">
+                  <a:avLst/>
+                </a:prstGeom>
+                <a:blipFill>
+                  <a:blip r:embed="rId6"/>
+                  <a:stretch>
+                    <a:fillRect l="-12281" b="-28000"/>
+                  </a:stretch>
+                </a:blipFill>
+              </p:spPr>
+              <p:txBody>
+                <a:bodyPr/>
+                <a:lstStyle/>
+                <a:p>
+                  <a:r>
+                    <a:rPr lang="ko-KR" altLang="en-US">
+                      <a:noFill/>
+                    </a:rPr>
+                    <a:t> </a:t>
+                  </a:r>
+                </a:p>
+              </p:txBody>
+            </p:sp>
+          </mc:Fallback>
+        </mc:AlternateContent>
+        <mc:AlternateContent xmlns:mc="http://schemas.openxmlformats.org/markup-compatibility/2006">
+          <mc:Choice xmlns:a14="http://schemas.microsoft.com/office/drawing/2010/main" Requires="a14">
+            <p:sp>
+              <p:nvSpPr>
+                <p:cNvPr id="43" name="TextBox 42">
+                  <a:extLst>
+                    <a:ext uri="{FF2B5EF4-FFF2-40B4-BE49-F238E27FC236}">
+                      <a16:creationId xmlns:a16="http://schemas.microsoft.com/office/drawing/2014/main" id="{C07F3905-388B-4EA1-A31B-BE5EC5187637}"/>
+                    </a:ext>
+                  </a:extLst>
+                </p:cNvPr>
+                <p:cNvSpPr txBox="1"/>
+                <p:nvPr/>
+              </p:nvSpPr>
+              <p:spPr>
+                <a:xfrm>
+                  <a:off x="9543760" y="3217820"/>
+                  <a:ext cx="343940" cy="307777"/>
+                </a:xfrm>
+                <a:prstGeom prst="rect">
+                  <a:avLst/>
+                </a:prstGeom>
+                <a:noFill/>
+              </p:spPr>
+              <p:txBody>
+                <a:bodyPr wrap="square" lIns="0" tIns="0" rIns="0" bIns="0" rtlCol="0">
+                  <a:spAutoFit/>
+                </a:bodyPr>
+                <a:lstStyle/>
+                <a:p>
+                  <a:pPr/>
+                  <a14:m>
+                    <m:oMathPara xmlns:m="http://schemas.openxmlformats.org/officeDocument/2006/math">
+                      <m:oMathParaPr>
+                        <m:jc m:val="centerGroup"/>
+                      </m:oMathParaPr>
+                      <m:oMath xmlns:m="http://schemas.openxmlformats.org/officeDocument/2006/math">
+                        <m:sSub>
+                          <m:sSubPr>
+                            <m:ctrlPr>
+                              <a:rPr lang="en-US" altLang="ko-KR" sz="2000" i="1" smtClean="0">
+                                <a:latin typeface="Cambria Math" panose="02040503050406030204" pitchFamily="18" charset="0"/>
+                              </a:rPr>
+                            </m:ctrlPr>
+                          </m:sSubPr>
+                          <m:e>
+                            <m:r>
+                              <a:rPr lang="en-US" altLang="ko-KR" sz="2000" b="0" i="1" smtClean="0">
+                                <a:latin typeface="Cambria Math" panose="02040503050406030204" pitchFamily="18" charset="0"/>
+                              </a:rPr>
+                              <m:t>𝑝</m:t>
+                            </m:r>
+                          </m:e>
+                          <m:sub>
+                            <m:r>
+                              <a:rPr lang="en-US" altLang="ko-KR" sz="2000" b="0" i="1" smtClean="0">
+                                <a:latin typeface="Cambria Math" panose="02040503050406030204" pitchFamily="18" charset="0"/>
+                              </a:rPr>
+                              <m:t>2</m:t>
+                            </m:r>
+                          </m:sub>
+                        </m:sSub>
+                      </m:oMath>
+                    </m:oMathPara>
+                  </a14:m>
+                  <a:endParaRPr lang="ko-KR" altLang="en-US" sz="2000" dirty="0"/>
+                </a:p>
+              </p:txBody>
+            </p:sp>
+          </mc:Choice>
+          <mc:Fallback>
+            <p:sp>
+              <p:nvSpPr>
+                <p:cNvPr id="43" name="TextBox 42">
+                  <a:extLst>
+                    <a:ext uri="{FF2B5EF4-FFF2-40B4-BE49-F238E27FC236}">
+                      <a16:creationId xmlns:a16="http://schemas.microsoft.com/office/drawing/2014/main" id="{C07F3905-388B-4EA1-A31B-BE5EC5187637}"/>
+                    </a:ext>
+                  </a:extLst>
+                </p:cNvPr>
+                <p:cNvSpPr txBox="1">
+                  <a:spLocks noRot="1" noChangeAspect="1" noMove="1" noResize="1" noEditPoints="1" noAdjustHandles="1" noChangeArrowheads="1" noChangeShapeType="1" noTextEdit="1"/>
+                </p:cNvSpPr>
+                <p:nvPr/>
+              </p:nvSpPr>
+              <p:spPr>
+                <a:xfrm>
+                  <a:off x="9543760" y="3217820"/>
+                  <a:ext cx="343940" cy="307777"/>
+                </a:xfrm>
+                <a:prstGeom prst="rect">
+                  <a:avLst/>
+                </a:prstGeom>
+                <a:blipFill>
+                  <a:blip r:embed="rId7"/>
+                  <a:stretch>
+                    <a:fillRect l="-14035" r="-1754" b="-30000"/>
+                  </a:stretch>
+                </a:blipFill>
+              </p:spPr>
+              <p:txBody>
+                <a:bodyPr/>
+                <a:lstStyle/>
+                <a:p>
+                  <a:r>
+                    <a:rPr lang="ko-KR" altLang="en-US">
+                      <a:noFill/>
+                    </a:rPr>
+                    <a:t> </a:t>
+                  </a:r>
+                </a:p>
+              </p:txBody>
+            </p:sp>
+          </mc:Fallback>
+        </mc:AlternateContent>
+        <p:sp>
+          <p:nvSpPr>
+            <p:cNvPr id="45" name="TextBox 44">
+              <a:extLst>
+                <a:ext uri="{FF2B5EF4-FFF2-40B4-BE49-F238E27FC236}">
+                  <a16:creationId xmlns:a16="http://schemas.microsoft.com/office/drawing/2014/main" id="{647E3245-F646-47CB-AF2B-31FE9F93B5CF}"/>
+                </a:ext>
+              </a:extLst>
+            </p:cNvPr>
+            <p:cNvSpPr txBox="1"/>
+            <p:nvPr/>
+          </p:nvSpPr>
+          <p:spPr>
+            <a:xfrm>
+              <a:off x="9543760" y="3519494"/>
+              <a:ext cx="343940" cy="923330"/>
+            </a:xfrm>
+            <a:prstGeom prst="rect">
+              <a:avLst/>
+            </a:prstGeom>
+            <a:noFill/>
+          </p:spPr>
+          <p:txBody>
+            <a:bodyPr wrap="square" lIns="0" tIns="0" rIns="0" bIns="0" rtlCol="0">
+              <a:spAutoFit/>
+            </a:bodyPr>
+            <a:lstStyle/>
+            <a:p>
+              <a:pPr algn="ctr"/>
+              <a:r>
+                <a:rPr lang="en-US" altLang="ko-KR" sz="2000" dirty="0"/>
+                <a:t>.</a:t>
+              </a:r>
+            </a:p>
+            <a:p>
+              <a:pPr algn="ctr"/>
+              <a:r>
+                <a:rPr lang="en-US" altLang="ko-KR" sz="2000" dirty="0"/>
+                <a:t>.</a:t>
+              </a:r>
+            </a:p>
+            <a:p>
+              <a:pPr algn="ctr"/>
+              <a:r>
+                <a:rPr lang="en-US" altLang="ko-KR" sz="2000" dirty="0"/>
+                <a:t>.</a:t>
+              </a:r>
+              <a:endParaRPr lang="ko-KR" altLang="en-US" sz="2000" dirty="0"/>
+            </a:p>
+          </p:txBody>
+        </p:sp>
+        <mc:AlternateContent xmlns:mc="http://schemas.openxmlformats.org/markup-compatibility/2006">
+          <mc:Choice xmlns:a14="http://schemas.microsoft.com/office/drawing/2010/main" Requires="a14">
+            <p:sp>
+              <p:nvSpPr>
+                <p:cNvPr id="47" name="TextBox 46">
+                  <a:extLst>
+                    <a:ext uri="{FF2B5EF4-FFF2-40B4-BE49-F238E27FC236}">
+                      <a16:creationId xmlns:a16="http://schemas.microsoft.com/office/drawing/2014/main" id="{BBF88200-E2E3-441D-B052-7A7AB3518859}"/>
+                    </a:ext>
+                  </a:extLst>
+                </p:cNvPr>
+                <p:cNvSpPr txBox="1"/>
+                <p:nvPr/>
+              </p:nvSpPr>
+              <p:spPr>
+                <a:xfrm>
+                  <a:off x="9543760" y="4436721"/>
+                  <a:ext cx="343940" cy="307777"/>
+                </a:xfrm>
+                <a:prstGeom prst="rect">
+                  <a:avLst/>
+                </a:prstGeom>
+                <a:noFill/>
+              </p:spPr>
+              <p:txBody>
+                <a:bodyPr wrap="square" lIns="0" tIns="0" rIns="0" bIns="0" rtlCol="0">
+                  <a:spAutoFit/>
+                </a:bodyPr>
+                <a:lstStyle/>
+                <a:p>
+                  <a:pPr/>
+                  <a14:m>
+                    <m:oMathPara xmlns:m="http://schemas.openxmlformats.org/officeDocument/2006/math">
+                      <m:oMathParaPr>
+                        <m:jc m:val="centerGroup"/>
+                      </m:oMathParaPr>
+                      <m:oMath xmlns:m="http://schemas.openxmlformats.org/officeDocument/2006/math">
+                        <m:sSub>
+                          <m:sSubPr>
+                            <m:ctrlPr>
+                              <a:rPr lang="en-US" altLang="ko-KR" sz="2000" i="1" smtClean="0">
+                                <a:latin typeface="Cambria Math" panose="02040503050406030204" pitchFamily="18" charset="0"/>
+                              </a:rPr>
+                            </m:ctrlPr>
+                          </m:sSubPr>
+                          <m:e>
+                            <m:r>
+                              <a:rPr lang="en-US" altLang="ko-KR" sz="2000" b="0" i="1" smtClean="0">
+                                <a:latin typeface="Cambria Math" panose="02040503050406030204" pitchFamily="18" charset="0"/>
+                              </a:rPr>
+                              <m:t>𝑝</m:t>
+                            </m:r>
+                          </m:e>
+                          <m:sub>
+                            <m:r>
+                              <a:rPr lang="en-US" altLang="ko-KR" sz="2000" b="0" i="1" smtClean="0">
+                                <a:latin typeface="Cambria Math" panose="02040503050406030204" pitchFamily="18" charset="0"/>
+                              </a:rPr>
+                              <m:t>9</m:t>
+                            </m:r>
+                          </m:sub>
+                        </m:sSub>
+                      </m:oMath>
+                    </m:oMathPara>
+                  </a14:m>
+                  <a:endParaRPr lang="ko-KR" altLang="en-US" sz="2000" dirty="0"/>
+                </a:p>
+              </p:txBody>
+            </p:sp>
+          </mc:Choice>
+          <mc:Fallback>
+            <p:sp>
+              <p:nvSpPr>
+                <p:cNvPr id="47" name="TextBox 46">
+                  <a:extLst>
+                    <a:ext uri="{FF2B5EF4-FFF2-40B4-BE49-F238E27FC236}">
+                      <a16:creationId xmlns:a16="http://schemas.microsoft.com/office/drawing/2014/main" id="{BBF88200-E2E3-441D-B052-7A7AB3518859}"/>
+                    </a:ext>
+                  </a:extLst>
+                </p:cNvPr>
+                <p:cNvSpPr txBox="1">
+                  <a:spLocks noRot="1" noChangeAspect="1" noMove="1" noResize="1" noEditPoints="1" noAdjustHandles="1" noChangeArrowheads="1" noChangeShapeType="1" noTextEdit="1"/>
+                </p:cNvSpPr>
+                <p:nvPr/>
+              </p:nvSpPr>
+              <p:spPr>
+                <a:xfrm>
+                  <a:off x="9543760" y="4436721"/>
+                  <a:ext cx="343940" cy="307777"/>
+                </a:xfrm>
+                <a:prstGeom prst="rect">
+                  <a:avLst/>
+                </a:prstGeom>
+                <a:blipFill>
+                  <a:blip r:embed="rId8"/>
+                  <a:stretch>
+                    <a:fillRect l="-12281" r="-1754" b="-30000"/>
+                  </a:stretch>
+                </a:blipFill>
+              </p:spPr>
+              <p:txBody>
+                <a:bodyPr/>
+                <a:lstStyle/>
+                <a:p>
+                  <a:r>
+                    <a:rPr lang="ko-KR" altLang="en-US">
+                      <a:noFill/>
+                    </a:rPr>
+                    <a:t> </a:t>
+                  </a:r>
+                </a:p>
+              </p:txBody>
+            </p:sp>
+          </mc:Fallback>
+        </mc:AlternateContent>
+      </p:grpSp>
+      <p:grpSp>
+        <p:nvGrpSpPr>
+          <p:cNvPr id="89" name="그룹 88">
+            <a:extLst>
+              <a:ext uri="{FF2B5EF4-FFF2-40B4-BE49-F238E27FC236}">
+                <a16:creationId xmlns:a16="http://schemas.microsoft.com/office/drawing/2014/main" id="{90B6C0AD-D4CC-4A1E-B808-55CCA66439AD}"/>
+              </a:ext>
+            </a:extLst>
+          </p:cNvPr>
+          <p:cNvGrpSpPr/>
+          <p:nvPr/>
+        </p:nvGrpSpPr>
+        <p:grpSpPr>
+          <a:xfrm>
+            <a:off x="8463535" y="2096249"/>
+            <a:ext cx="727969" cy="2662446"/>
+            <a:chOff x="7762640" y="2110906"/>
+            <a:chExt cx="727969" cy="2662446"/>
+          </a:xfrm>
+        </p:grpSpPr>
+        <p:sp>
+          <p:nvSpPr>
+            <p:cNvPr id="51" name="직사각형 50">
+              <a:extLst>
+                <a:ext uri="{FF2B5EF4-FFF2-40B4-BE49-F238E27FC236}">
+                  <a16:creationId xmlns:a16="http://schemas.microsoft.com/office/drawing/2014/main" id="{7DE52E8B-C4E9-44FE-B7F9-C317520AB468}"/>
+                </a:ext>
+              </a:extLst>
+            </p:cNvPr>
+            <p:cNvSpPr/>
+            <p:nvPr/>
+          </p:nvSpPr>
+          <p:spPr>
+            <a:xfrm>
+              <a:off x="7762640" y="2664906"/>
+              <a:ext cx="727969" cy="2108446"/>
+            </a:xfrm>
+            <a:prstGeom prst="rect">
+              <a:avLst/>
+            </a:prstGeom>
+            <a:solidFill>
+              <a:srgbClr val="00B0F0"/>
+            </a:solidFill>
+            <a:ln>
+              <a:noFill/>
+            </a:ln>
+          </p:spPr>
+          <p:style>
+            <a:lnRef idx="2">
+              <a:schemeClr val="accent1">
+                <a:shade val="50000"/>
+              </a:schemeClr>
+            </a:lnRef>
+            <a:fillRef idx="1">
+              <a:schemeClr val="accent1"/>
+            </a:fillRef>
+            <a:effectRef idx="0">
+              <a:schemeClr val="accent1"/>
+            </a:effectRef>
+            <a:fontRef idx="minor">
+              <a:schemeClr val="lt1"/>
+            </a:fontRef>
+          </p:style>
+          <p:txBody>
+            <a:bodyPr rtlCol="0" anchor="ctr"/>
+            <a:lstStyle/>
+            <a:p>
+              <a:pPr algn="ctr"/>
+              <a:endParaRPr lang="ko-KR" altLang="en-US"/>
+            </a:p>
+          </p:txBody>
+        </p:sp>
+        <p:sp>
+          <p:nvSpPr>
+            <p:cNvPr id="53" name="TextBox 52">
+              <a:extLst>
+                <a:ext uri="{FF2B5EF4-FFF2-40B4-BE49-F238E27FC236}">
+                  <a16:creationId xmlns:a16="http://schemas.microsoft.com/office/drawing/2014/main" id="{97BC1EA3-D18D-43D5-9512-A267559D1A32}"/>
+                </a:ext>
+              </a:extLst>
+            </p:cNvPr>
+            <p:cNvSpPr txBox="1"/>
+            <p:nvPr/>
+          </p:nvSpPr>
+          <p:spPr>
+            <a:xfrm>
+              <a:off x="7811474" y="2110906"/>
+              <a:ext cx="630301" cy="553998"/>
+            </a:xfrm>
+            <a:prstGeom prst="rect">
+              <a:avLst/>
+            </a:prstGeom>
+            <a:noFill/>
+          </p:spPr>
+          <p:txBody>
+            <a:bodyPr wrap="none" rtlCol="0">
+              <a:spAutoFit/>
+            </a:bodyPr>
+            <a:lstStyle/>
+            <a:p>
+              <a:r>
+                <a:rPr lang="en-US" altLang="ko-KR" sz="3000" b="1" dirty="0"/>
+                <a:t>10</a:t>
+              </a:r>
+              <a:endParaRPr lang="ko-KR" altLang="en-US" sz="3000" b="1" dirty="0"/>
+            </a:p>
+          </p:txBody>
+        </p:sp>
+        <mc:AlternateContent xmlns:mc="http://schemas.openxmlformats.org/markup-compatibility/2006">
+          <mc:Choice xmlns:a14="http://schemas.microsoft.com/office/drawing/2010/main" Requires="a14">
+            <p:sp>
+              <p:nvSpPr>
+                <p:cNvPr id="55" name="TextBox 54">
+                  <a:extLst>
+                    <a:ext uri="{FF2B5EF4-FFF2-40B4-BE49-F238E27FC236}">
+                      <a16:creationId xmlns:a16="http://schemas.microsoft.com/office/drawing/2014/main" id="{ED964E45-413F-41F8-952D-B05ADE6909F8}"/>
+                    </a:ext>
+                  </a:extLst>
+                </p:cNvPr>
+                <p:cNvSpPr txBox="1"/>
+                <p:nvPr/>
+              </p:nvSpPr>
+              <p:spPr>
+                <a:xfrm>
+                  <a:off x="7954654" y="2611636"/>
+                  <a:ext cx="343940" cy="307777"/>
+                </a:xfrm>
+                <a:prstGeom prst="rect">
+                  <a:avLst/>
+                </a:prstGeom>
+                <a:noFill/>
+              </p:spPr>
+              <p:txBody>
+                <a:bodyPr wrap="square" lIns="0" tIns="0" rIns="0" bIns="0" rtlCol="0">
+                  <a:spAutoFit/>
+                </a:bodyPr>
+                <a:lstStyle/>
+                <a:p>
+                  <a:pPr/>
+                  <a14:m>
+                    <m:oMathPara xmlns:m="http://schemas.openxmlformats.org/officeDocument/2006/math">
+                      <m:oMathParaPr>
+                        <m:jc m:val="centerGroup"/>
+                      </m:oMathParaPr>
+                      <m:oMath xmlns:m="http://schemas.openxmlformats.org/officeDocument/2006/math">
+                        <m:sSub>
+                          <m:sSubPr>
+                            <m:ctrlPr>
+                              <a:rPr lang="en-US" altLang="ko-KR" sz="2000" i="1" smtClean="0">
+                                <a:latin typeface="Cambria Math" panose="02040503050406030204" pitchFamily="18" charset="0"/>
+                              </a:rPr>
+                            </m:ctrlPr>
+                          </m:sSubPr>
+                          <m:e>
+                            <m:r>
+                              <a:rPr lang="en-US" altLang="ko-KR" sz="2000" b="0" i="1" smtClean="0">
+                                <a:latin typeface="Cambria Math" panose="02040503050406030204" pitchFamily="18" charset="0"/>
+                              </a:rPr>
+                              <m:t>𝑧</m:t>
+                            </m:r>
+                          </m:e>
+                          <m:sub>
+                            <m:r>
+                              <a:rPr lang="en-US" altLang="ko-KR" sz="2000" b="0" i="1" smtClean="0">
+                                <a:latin typeface="Cambria Math" panose="02040503050406030204" pitchFamily="18" charset="0"/>
+                              </a:rPr>
+                              <m:t>0</m:t>
+                            </m:r>
+                          </m:sub>
+                        </m:sSub>
+                      </m:oMath>
+                    </m:oMathPara>
+                  </a14:m>
+                  <a:endParaRPr lang="ko-KR" altLang="en-US" sz="2000" dirty="0"/>
+                </a:p>
+              </p:txBody>
+            </p:sp>
+          </mc:Choice>
+          <mc:Fallback>
+            <p:sp>
+              <p:nvSpPr>
+                <p:cNvPr id="55" name="TextBox 54">
+                  <a:extLst>
+                    <a:ext uri="{FF2B5EF4-FFF2-40B4-BE49-F238E27FC236}">
+                      <a16:creationId xmlns:a16="http://schemas.microsoft.com/office/drawing/2014/main" id="{ED964E45-413F-41F8-952D-B05ADE6909F8}"/>
+                    </a:ext>
+                  </a:extLst>
+                </p:cNvPr>
+                <p:cNvSpPr txBox="1">
+                  <a:spLocks noRot="1" noChangeAspect="1" noMove="1" noResize="1" noEditPoints="1" noAdjustHandles="1" noChangeArrowheads="1" noChangeShapeType="1" noTextEdit="1"/>
+                </p:cNvSpPr>
+                <p:nvPr/>
+              </p:nvSpPr>
+              <p:spPr>
+                <a:xfrm>
+                  <a:off x="7954654" y="2611636"/>
+                  <a:ext cx="343940" cy="307777"/>
+                </a:xfrm>
+                <a:prstGeom prst="rect">
+                  <a:avLst/>
+                </a:prstGeom>
+                <a:blipFill>
+                  <a:blip r:embed="rId9"/>
+                  <a:stretch>
+                    <a:fillRect l="-3571" b="-19608"/>
+                  </a:stretch>
+                </a:blipFill>
+              </p:spPr>
+              <p:txBody>
+                <a:bodyPr/>
+                <a:lstStyle/>
+                <a:p>
+                  <a:r>
+                    <a:rPr lang="ko-KR" altLang="en-US">
+                      <a:noFill/>
+                    </a:rPr>
+                    <a:t> </a:t>
+                  </a:r>
+                </a:p>
+              </p:txBody>
+            </p:sp>
+          </mc:Fallback>
+        </mc:AlternateContent>
+        <mc:AlternateContent xmlns:mc="http://schemas.openxmlformats.org/markup-compatibility/2006">
+          <mc:Choice xmlns:a14="http://schemas.microsoft.com/office/drawing/2010/main" Requires="a14">
+            <p:sp>
+              <p:nvSpPr>
+                <p:cNvPr id="57" name="TextBox 56">
+                  <a:extLst>
+                    <a:ext uri="{FF2B5EF4-FFF2-40B4-BE49-F238E27FC236}">
+                      <a16:creationId xmlns:a16="http://schemas.microsoft.com/office/drawing/2014/main" id="{360CD26D-2C73-46D2-A0AB-5CD977E75F3D}"/>
+                    </a:ext>
+                  </a:extLst>
+                </p:cNvPr>
+                <p:cNvSpPr txBox="1"/>
+                <p:nvPr/>
+              </p:nvSpPr>
+              <p:spPr>
+                <a:xfrm>
+                  <a:off x="7954654" y="2913310"/>
+                  <a:ext cx="343940" cy="307777"/>
+                </a:xfrm>
+                <a:prstGeom prst="rect">
+                  <a:avLst/>
+                </a:prstGeom>
+                <a:noFill/>
+              </p:spPr>
+              <p:txBody>
+                <a:bodyPr wrap="square" lIns="0" tIns="0" rIns="0" bIns="0" rtlCol="0">
+                  <a:spAutoFit/>
+                </a:bodyPr>
+                <a:lstStyle/>
+                <a:p>
+                  <a:pPr/>
+                  <a14:m>
+                    <m:oMathPara xmlns:m="http://schemas.openxmlformats.org/officeDocument/2006/math">
+                      <m:oMathParaPr>
+                        <m:jc m:val="centerGroup"/>
+                      </m:oMathParaPr>
+                      <m:oMath xmlns:m="http://schemas.openxmlformats.org/officeDocument/2006/math">
+                        <m:sSub>
+                          <m:sSubPr>
+                            <m:ctrlPr>
+                              <a:rPr lang="en-US" altLang="ko-KR" sz="2000" i="1" smtClean="0">
+                                <a:latin typeface="Cambria Math" panose="02040503050406030204" pitchFamily="18" charset="0"/>
+                              </a:rPr>
+                            </m:ctrlPr>
+                          </m:sSubPr>
+                          <m:e>
+                            <m:r>
+                              <a:rPr lang="en-US" altLang="ko-KR" sz="2000" b="0" i="1" smtClean="0">
+                                <a:latin typeface="Cambria Math" panose="02040503050406030204" pitchFamily="18" charset="0"/>
+                              </a:rPr>
+                              <m:t>𝑧</m:t>
+                            </m:r>
+                          </m:e>
+                          <m:sub>
+                            <m:r>
+                              <a:rPr lang="en-US" altLang="ko-KR" sz="2000" b="0" i="1" smtClean="0">
+                                <a:latin typeface="Cambria Math" panose="02040503050406030204" pitchFamily="18" charset="0"/>
+                              </a:rPr>
+                              <m:t>1</m:t>
+                            </m:r>
+                          </m:sub>
+                        </m:sSub>
+                      </m:oMath>
+                    </m:oMathPara>
+                  </a14:m>
+                  <a:endParaRPr lang="ko-KR" altLang="en-US" sz="2000" dirty="0"/>
+                </a:p>
+              </p:txBody>
+            </p:sp>
+          </mc:Choice>
+          <mc:Fallback>
+            <p:sp>
+              <p:nvSpPr>
+                <p:cNvPr id="57" name="TextBox 56">
+                  <a:extLst>
+                    <a:ext uri="{FF2B5EF4-FFF2-40B4-BE49-F238E27FC236}">
+                      <a16:creationId xmlns:a16="http://schemas.microsoft.com/office/drawing/2014/main" id="{360CD26D-2C73-46D2-A0AB-5CD977E75F3D}"/>
+                    </a:ext>
+                  </a:extLst>
+                </p:cNvPr>
+                <p:cNvSpPr txBox="1">
+                  <a:spLocks noRot="1" noChangeAspect="1" noMove="1" noResize="1" noEditPoints="1" noAdjustHandles="1" noChangeArrowheads="1" noChangeShapeType="1" noTextEdit="1"/>
+                </p:cNvSpPr>
+                <p:nvPr/>
+              </p:nvSpPr>
+              <p:spPr>
+                <a:xfrm>
+                  <a:off x="7954654" y="2913310"/>
+                  <a:ext cx="343940" cy="307777"/>
+                </a:xfrm>
+                <a:prstGeom prst="rect">
+                  <a:avLst/>
+                </a:prstGeom>
+                <a:blipFill>
+                  <a:blip r:embed="rId10"/>
+                  <a:stretch>
+                    <a:fillRect l="-3571" b="-18000"/>
+                  </a:stretch>
+                </a:blipFill>
+              </p:spPr>
+              <p:txBody>
+                <a:bodyPr/>
+                <a:lstStyle/>
+                <a:p>
+                  <a:r>
+                    <a:rPr lang="ko-KR" altLang="en-US">
+                      <a:noFill/>
+                    </a:rPr>
+                    <a:t> </a:t>
+                  </a:r>
+                </a:p>
+              </p:txBody>
+            </p:sp>
+          </mc:Fallback>
+        </mc:AlternateContent>
+        <mc:AlternateContent xmlns:mc="http://schemas.openxmlformats.org/markup-compatibility/2006">
+          <mc:Choice xmlns:a14="http://schemas.microsoft.com/office/drawing/2010/main" Requires="a14">
+            <p:sp>
+              <p:nvSpPr>
+                <p:cNvPr id="59" name="TextBox 58">
+                  <a:extLst>
+                    <a:ext uri="{FF2B5EF4-FFF2-40B4-BE49-F238E27FC236}">
+                      <a16:creationId xmlns:a16="http://schemas.microsoft.com/office/drawing/2014/main" id="{6202FC3E-C002-43DB-803E-D2102F62871B}"/>
+                    </a:ext>
+                  </a:extLst>
+                </p:cNvPr>
+                <p:cNvSpPr txBox="1"/>
+                <p:nvPr/>
+              </p:nvSpPr>
+              <p:spPr>
+                <a:xfrm>
+                  <a:off x="7954654" y="3214984"/>
+                  <a:ext cx="343940" cy="307777"/>
+                </a:xfrm>
+                <a:prstGeom prst="rect">
+                  <a:avLst/>
+                </a:prstGeom>
+                <a:noFill/>
+              </p:spPr>
+              <p:txBody>
+                <a:bodyPr wrap="square" lIns="0" tIns="0" rIns="0" bIns="0" rtlCol="0">
+                  <a:spAutoFit/>
+                </a:bodyPr>
+                <a:lstStyle/>
+                <a:p>
+                  <a:pPr/>
+                  <a14:m>
+                    <m:oMathPara xmlns:m="http://schemas.openxmlformats.org/officeDocument/2006/math">
+                      <m:oMathParaPr>
+                        <m:jc m:val="centerGroup"/>
+                      </m:oMathParaPr>
+                      <m:oMath xmlns:m="http://schemas.openxmlformats.org/officeDocument/2006/math">
+                        <m:sSub>
+                          <m:sSubPr>
+                            <m:ctrlPr>
+                              <a:rPr lang="en-US" altLang="ko-KR" sz="2000" i="1" smtClean="0">
+                                <a:latin typeface="Cambria Math" panose="02040503050406030204" pitchFamily="18" charset="0"/>
+                              </a:rPr>
+                            </m:ctrlPr>
+                          </m:sSubPr>
+                          <m:e>
+                            <m:r>
+                              <a:rPr lang="en-US" altLang="ko-KR" sz="2000" b="0" i="1" smtClean="0">
+                                <a:latin typeface="Cambria Math" panose="02040503050406030204" pitchFamily="18" charset="0"/>
+                              </a:rPr>
+                              <m:t>𝑧</m:t>
+                            </m:r>
+                          </m:e>
+                          <m:sub>
+                            <m:r>
+                              <a:rPr lang="en-US" altLang="ko-KR" sz="2000" b="0" i="1" smtClean="0">
+                                <a:latin typeface="Cambria Math" panose="02040503050406030204" pitchFamily="18" charset="0"/>
+                              </a:rPr>
+                              <m:t>2</m:t>
+                            </m:r>
+                          </m:sub>
+                        </m:sSub>
+                      </m:oMath>
+                    </m:oMathPara>
+                  </a14:m>
+                  <a:endParaRPr lang="ko-KR" altLang="en-US" sz="2000" dirty="0"/>
+                </a:p>
+              </p:txBody>
+            </p:sp>
+          </mc:Choice>
+          <mc:Fallback>
+            <p:sp>
+              <p:nvSpPr>
+                <p:cNvPr id="59" name="TextBox 58">
+                  <a:extLst>
+                    <a:ext uri="{FF2B5EF4-FFF2-40B4-BE49-F238E27FC236}">
+                      <a16:creationId xmlns:a16="http://schemas.microsoft.com/office/drawing/2014/main" id="{6202FC3E-C002-43DB-803E-D2102F62871B}"/>
+                    </a:ext>
+                  </a:extLst>
+                </p:cNvPr>
+                <p:cNvSpPr txBox="1">
+                  <a:spLocks noRot="1" noChangeAspect="1" noMove="1" noResize="1" noEditPoints="1" noAdjustHandles="1" noChangeArrowheads="1" noChangeShapeType="1" noTextEdit="1"/>
+                </p:cNvSpPr>
+                <p:nvPr/>
+              </p:nvSpPr>
+              <p:spPr>
+                <a:xfrm>
+                  <a:off x="7954654" y="3214984"/>
+                  <a:ext cx="343940" cy="307777"/>
+                </a:xfrm>
+                <a:prstGeom prst="rect">
+                  <a:avLst/>
+                </a:prstGeom>
+                <a:blipFill>
+                  <a:blip r:embed="rId11"/>
+                  <a:stretch>
+                    <a:fillRect l="-3571" b="-20000"/>
+                  </a:stretch>
+                </a:blipFill>
+              </p:spPr>
+              <p:txBody>
+                <a:bodyPr/>
+                <a:lstStyle/>
+                <a:p>
+                  <a:r>
+                    <a:rPr lang="ko-KR" altLang="en-US">
+                      <a:noFill/>
+                    </a:rPr>
+                    <a:t> </a:t>
+                  </a:r>
+                </a:p>
+              </p:txBody>
+            </p:sp>
+          </mc:Fallback>
+        </mc:AlternateContent>
+        <p:sp>
+          <p:nvSpPr>
+            <p:cNvPr id="61" name="TextBox 60">
+              <a:extLst>
+                <a:ext uri="{FF2B5EF4-FFF2-40B4-BE49-F238E27FC236}">
+                  <a16:creationId xmlns:a16="http://schemas.microsoft.com/office/drawing/2014/main" id="{89DF4D59-A5B6-416D-9F9F-0B9C0121910A}"/>
+                </a:ext>
+              </a:extLst>
+            </p:cNvPr>
+            <p:cNvSpPr txBox="1"/>
+            <p:nvPr/>
+          </p:nvSpPr>
+          <p:spPr>
+            <a:xfrm>
+              <a:off x="7954654" y="3516658"/>
+              <a:ext cx="343940" cy="923330"/>
+            </a:xfrm>
+            <a:prstGeom prst="rect">
+              <a:avLst/>
+            </a:prstGeom>
+            <a:noFill/>
+          </p:spPr>
+          <p:txBody>
+            <a:bodyPr wrap="square" lIns="0" tIns="0" rIns="0" bIns="0" rtlCol="0">
+              <a:spAutoFit/>
+            </a:bodyPr>
+            <a:lstStyle/>
+            <a:p>
+              <a:pPr algn="ctr"/>
+              <a:r>
+                <a:rPr lang="en-US" altLang="ko-KR" sz="2000" dirty="0"/>
+                <a:t>.</a:t>
+              </a:r>
+            </a:p>
+            <a:p>
+              <a:pPr algn="ctr"/>
+              <a:r>
+                <a:rPr lang="en-US" altLang="ko-KR" sz="2000" dirty="0"/>
+                <a:t>.</a:t>
+              </a:r>
+            </a:p>
+            <a:p>
+              <a:pPr algn="ctr"/>
+              <a:r>
+                <a:rPr lang="en-US" altLang="ko-KR" sz="2000" dirty="0"/>
+                <a:t>.</a:t>
+              </a:r>
+              <a:endParaRPr lang="ko-KR" altLang="en-US" sz="2000" dirty="0"/>
+            </a:p>
+          </p:txBody>
+        </p:sp>
+        <mc:AlternateContent xmlns:mc="http://schemas.openxmlformats.org/markup-compatibility/2006">
+          <mc:Choice xmlns:a14="http://schemas.microsoft.com/office/drawing/2010/main" Requires="a14">
+            <p:sp>
+              <p:nvSpPr>
+                <p:cNvPr id="63" name="TextBox 62">
+                  <a:extLst>
+                    <a:ext uri="{FF2B5EF4-FFF2-40B4-BE49-F238E27FC236}">
+                      <a16:creationId xmlns:a16="http://schemas.microsoft.com/office/drawing/2014/main" id="{734BE8D7-6925-4567-B584-65C1A9C6FFF4}"/>
+                    </a:ext>
+                  </a:extLst>
+                </p:cNvPr>
+                <p:cNvSpPr txBox="1"/>
+                <p:nvPr/>
+              </p:nvSpPr>
+              <p:spPr>
+                <a:xfrm>
+                  <a:off x="7954654" y="4433885"/>
+                  <a:ext cx="343940" cy="307777"/>
+                </a:xfrm>
+                <a:prstGeom prst="rect">
+                  <a:avLst/>
+                </a:prstGeom>
+                <a:noFill/>
+              </p:spPr>
+              <p:txBody>
+                <a:bodyPr wrap="square" lIns="0" tIns="0" rIns="0" bIns="0" rtlCol="0">
+                  <a:spAutoFit/>
+                </a:bodyPr>
+                <a:lstStyle/>
+                <a:p>
+                  <a:pPr/>
+                  <a14:m>
+                    <m:oMathPara xmlns:m="http://schemas.openxmlformats.org/officeDocument/2006/math">
+                      <m:oMathParaPr>
+                        <m:jc m:val="centerGroup"/>
+                      </m:oMathParaPr>
+                      <m:oMath xmlns:m="http://schemas.openxmlformats.org/officeDocument/2006/math">
+                        <m:sSub>
+                          <m:sSubPr>
+                            <m:ctrlPr>
+                              <a:rPr lang="en-US" altLang="ko-KR" sz="2000" i="1" smtClean="0">
+                                <a:latin typeface="Cambria Math" panose="02040503050406030204" pitchFamily="18" charset="0"/>
+                              </a:rPr>
+                            </m:ctrlPr>
+                          </m:sSubPr>
+                          <m:e>
+                            <m:r>
+                              <a:rPr lang="en-US" altLang="ko-KR" sz="2000" b="0" i="1" smtClean="0">
+                                <a:latin typeface="Cambria Math" panose="02040503050406030204" pitchFamily="18" charset="0"/>
+                              </a:rPr>
+                              <m:t>𝑧</m:t>
+                            </m:r>
+                          </m:e>
+                          <m:sub>
+                            <m:r>
+                              <a:rPr lang="en-US" altLang="ko-KR" sz="2000" b="0" i="1" smtClean="0">
+                                <a:latin typeface="Cambria Math" panose="02040503050406030204" pitchFamily="18" charset="0"/>
+                              </a:rPr>
+                              <m:t>9</m:t>
+                            </m:r>
+                          </m:sub>
+                        </m:sSub>
+                      </m:oMath>
+                    </m:oMathPara>
+                  </a14:m>
+                  <a:endParaRPr lang="ko-KR" altLang="en-US" sz="2000" dirty="0"/>
+                </a:p>
+              </p:txBody>
+            </p:sp>
+          </mc:Choice>
+          <mc:Fallback>
+            <p:sp>
+              <p:nvSpPr>
+                <p:cNvPr id="63" name="TextBox 62">
+                  <a:extLst>
+                    <a:ext uri="{FF2B5EF4-FFF2-40B4-BE49-F238E27FC236}">
+                      <a16:creationId xmlns:a16="http://schemas.microsoft.com/office/drawing/2014/main" id="{734BE8D7-6925-4567-B584-65C1A9C6FFF4}"/>
+                    </a:ext>
+                  </a:extLst>
+                </p:cNvPr>
+                <p:cNvSpPr txBox="1">
+                  <a:spLocks noRot="1" noChangeAspect="1" noMove="1" noResize="1" noEditPoints="1" noAdjustHandles="1" noChangeArrowheads="1" noChangeShapeType="1" noTextEdit="1"/>
+                </p:cNvSpPr>
+                <p:nvPr/>
+              </p:nvSpPr>
+              <p:spPr>
+                <a:xfrm>
+                  <a:off x="7954654" y="4433885"/>
+                  <a:ext cx="343940" cy="307777"/>
+                </a:xfrm>
+                <a:prstGeom prst="rect">
+                  <a:avLst/>
+                </a:prstGeom>
+                <a:blipFill>
+                  <a:blip r:embed="rId12"/>
+                  <a:stretch>
+                    <a:fillRect l="-3571" b="-20000"/>
+                  </a:stretch>
+                </a:blipFill>
+              </p:spPr>
+              <p:txBody>
+                <a:bodyPr/>
+                <a:lstStyle/>
+                <a:p>
+                  <a:r>
+                    <a:rPr lang="ko-KR" altLang="en-US">
+                      <a:noFill/>
+                    </a:rPr>
+                    <a:t> </a:t>
+                  </a:r>
+                </a:p>
+              </p:txBody>
+            </p:sp>
+          </mc:Fallback>
+        </mc:AlternateContent>
+      </p:grpSp>
+      <p:grpSp>
+        <p:nvGrpSpPr>
+          <p:cNvPr id="88" name="그룹 87">
+            <a:extLst>
+              <a:ext uri="{FF2B5EF4-FFF2-40B4-BE49-F238E27FC236}">
+                <a16:creationId xmlns:a16="http://schemas.microsoft.com/office/drawing/2014/main" id="{0313C756-D87C-4F62-A07D-B5F3902D8901}"/>
+              </a:ext>
+            </a:extLst>
+          </p:cNvPr>
+          <p:cNvGrpSpPr/>
+          <p:nvPr/>
+        </p:nvGrpSpPr>
+        <p:grpSpPr>
+          <a:xfrm>
+            <a:off x="6328384" y="238597"/>
+            <a:ext cx="853119" cy="6377751"/>
+            <a:chOff x="5989037" y="256090"/>
+            <a:chExt cx="853119" cy="6377751"/>
+          </a:xfrm>
+        </p:grpSpPr>
+        <p:sp>
+          <p:nvSpPr>
+            <p:cNvPr id="16" name="직사각형 15">
+              <a:extLst>
+                <a:ext uri="{FF2B5EF4-FFF2-40B4-BE49-F238E27FC236}">
+                  <a16:creationId xmlns:a16="http://schemas.microsoft.com/office/drawing/2014/main" id="{DDC82F1E-AEAA-49BF-B69E-8615218EB0BE}"/>
+                </a:ext>
+              </a:extLst>
+            </p:cNvPr>
+            <p:cNvSpPr/>
+            <p:nvPr/>
+          </p:nvSpPr>
+          <p:spPr>
+            <a:xfrm>
+              <a:off x="6051612" y="810090"/>
+              <a:ext cx="727969" cy="5823751"/>
+            </a:xfrm>
+            <a:prstGeom prst="rect">
+              <a:avLst/>
+            </a:prstGeom>
+            <a:solidFill>
+              <a:srgbClr val="00B0F0"/>
+            </a:solidFill>
+            <a:ln>
+              <a:noFill/>
+            </a:ln>
+          </p:spPr>
+          <p:style>
+            <a:lnRef idx="2">
+              <a:schemeClr val="accent1">
+                <a:shade val="50000"/>
+              </a:schemeClr>
+            </a:lnRef>
+            <a:fillRef idx="1">
+              <a:schemeClr val="accent1"/>
+            </a:fillRef>
+            <a:effectRef idx="0">
+              <a:schemeClr val="accent1"/>
+            </a:effectRef>
+            <a:fontRef idx="minor">
+              <a:schemeClr val="lt1"/>
+            </a:fontRef>
+          </p:style>
+          <p:txBody>
+            <a:bodyPr rtlCol="0" anchor="ctr"/>
+            <a:lstStyle/>
+            <a:p>
+              <a:pPr algn="ctr"/>
+              <a:endParaRPr lang="ko-KR" altLang="en-US"/>
+            </a:p>
+          </p:txBody>
+        </p:sp>
+        <p:sp>
+          <p:nvSpPr>
+            <p:cNvPr id="31" name="TextBox 30">
+              <a:extLst>
+                <a:ext uri="{FF2B5EF4-FFF2-40B4-BE49-F238E27FC236}">
+                  <a16:creationId xmlns:a16="http://schemas.microsoft.com/office/drawing/2014/main" id="{C6CE19E0-3E84-4583-9988-22E23DA225E5}"/>
+                </a:ext>
+              </a:extLst>
+            </p:cNvPr>
+            <p:cNvSpPr txBox="1"/>
+            <p:nvPr/>
+          </p:nvSpPr>
+          <p:spPr>
+            <a:xfrm>
+              <a:off x="5989037" y="256090"/>
+              <a:ext cx="853119" cy="553998"/>
+            </a:xfrm>
+            <a:prstGeom prst="rect">
+              <a:avLst/>
+            </a:prstGeom>
+            <a:noFill/>
+          </p:spPr>
+          <p:txBody>
+            <a:bodyPr wrap="none" rtlCol="0">
+              <a:spAutoFit/>
+            </a:bodyPr>
+            <a:lstStyle/>
+            <a:p>
+              <a:r>
+                <a:rPr lang="en-US" altLang="ko-KR" sz="3000" b="1" dirty="0"/>
+                <a:t>784</a:t>
+              </a:r>
+              <a:endParaRPr lang="ko-KR" altLang="en-US" sz="3000" b="1" dirty="0"/>
+            </a:p>
+          </p:txBody>
+        </p:sp>
+        <mc:AlternateContent xmlns:mc="http://schemas.openxmlformats.org/markup-compatibility/2006">
+          <mc:Choice xmlns:a14="http://schemas.microsoft.com/office/drawing/2010/main" Requires="a14">
+            <p:sp>
+              <p:nvSpPr>
+                <p:cNvPr id="65" name="TextBox 64">
+                  <a:extLst>
+                    <a:ext uri="{FF2B5EF4-FFF2-40B4-BE49-F238E27FC236}">
+                      <a16:creationId xmlns:a16="http://schemas.microsoft.com/office/drawing/2014/main" id="{BFDF8E3C-F1AE-4640-B83F-E50E16C8A26C}"/>
+                    </a:ext>
+                  </a:extLst>
+                </p:cNvPr>
+                <p:cNvSpPr txBox="1"/>
+                <p:nvPr/>
+              </p:nvSpPr>
+              <p:spPr>
+                <a:xfrm>
+                  <a:off x="6243626" y="818796"/>
+                  <a:ext cx="343940" cy="307777"/>
+                </a:xfrm>
+                <a:prstGeom prst="rect">
+                  <a:avLst/>
+                </a:prstGeom>
+                <a:noFill/>
+              </p:spPr>
+              <p:txBody>
+                <a:bodyPr wrap="square" lIns="0" tIns="0" rIns="0" bIns="0" rtlCol="0">
+                  <a:spAutoFit/>
+                </a:bodyPr>
+                <a:lstStyle/>
+                <a:p>
+                  <a:pPr/>
+                  <a14:m>
+                    <m:oMathPara xmlns:m="http://schemas.openxmlformats.org/officeDocument/2006/math">
+                      <m:oMathParaPr>
+                        <m:jc m:val="centerGroup"/>
+                      </m:oMathParaPr>
+                      <m:oMath xmlns:m="http://schemas.openxmlformats.org/officeDocument/2006/math">
+                        <m:sSub>
+                          <m:sSubPr>
+                            <m:ctrlPr>
+                              <a:rPr lang="en-US" altLang="ko-KR" sz="2000" i="1" smtClean="0">
+                                <a:latin typeface="Cambria Math" panose="02040503050406030204" pitchFamily="18" charset="0"/>
+                              </a:rPr>
+                            </m:ctrlPr>
+                          </m:sSubPr>
+                          <m:e>
+                            <m:r>
+                              <a:rPr lang="en-US" altLang="ko-KR" sz="2000" b="0" i="1" smtClean="0">
+                                <a:latin typeface="Cambria Math" panose="02040503050406030204" pitchFamily="18" charset="0"/>
+                              </a:rPr>
+                              <m:t>𝑥</m:t>
+                            </m:r>
+                          </m:e>
+                          <m:sub>
+                            <m:r>
+                              <a:rPr lang="en-US" altLang="ko-KR" sz="2000" b="0" i="1" smtClean="0">
+                                <a:latin typeface="Cambria Math" panose="02040503050406030204" pitchFamily="18" charset="0"/>
+                              </a:rPr>
+                              <m:t>0</m:t>
+                            </m:r>
+                          </m:sub>
+                        </m:sSub>
+                      </m:oMath>
+                    </m:oMathPara>
+                  </a14:m>
+                  <a:endParaRPr lang="ko-KR" altLang="en-US" sz="2000" dirty="0"/>
+                </a:p>
+              </p:txBody>
+            </p:sp>
+          </mc:Choice>
+          <mc:Fallback>
+            <p:sp>
+              <p:nvSpPr>
+                <p:cNvPr id="65" name="TextBox 64">
+                  <a:extLst>
+                    <a:ext uri="{FF2B5EF4-FFF2-40B4-BE49-F238E27FC236}">
+                      <a16:creationId xmlns:a16="http://schemas.microsoft.com/office/drawing/2014/main" id="{BFDF8E3C-F1AE-4640-B83F-E50E16C8A26C}"/>
+                    </a:ext>
+                  </a:extLst>
+                </p:cNvPr>
+                <p:cNvSpPr txBox="1">
+                  <a:spLocks noRot="1" noChangeAspect="1" noMove="1" noResize="1" noEditPoints="1" noAdjustHandles="1" noChangeArrowheads="1" noChangeShapeType="1" noTextEdit="1"/>
+                </p:cNvSpPr>
+                <p:nvPr/>
+              </p:nvSpPr>
+              <p:spPr>
+                <a:xfrm>
+                  <a:off x="6243626" y="818796"/>
+                  <a:ext cx="343940" cy="307777"/>
+                </a:xfrm>
+                <a:prstGeom prst="rect">
+                  <a:avLst/>
+                </a:prstGeom>
+                <a:blipFill>
+                  <a:blip r:embed="rId13"/>
+                  <a:stretch>
+                    <a:fillRect l="-5357" r="-3571" b="-19608"/>
+                  </a:stretch>
+                </a:blipFill>
+              </p:spPr>
+              <p:txBody>
+                <a:bodyPr/>
+                <a:lstStyle/>
+                <a:p>
+                  <a:r>
+                    <a:rPr lang="ko-KR" altLang="en-US">
+                      <a:noFill/>
+                    </a:rPr>
+                    <a:t> </a:t>
+                  </a:r>
+                </a:p>
+              </p:txBody>
+            </p:sp>
+          </mc:Fallback>
+        </mc:AlternateContent>
+        <mc:AlternateContent xmlns:mc="http://schemas.openxmlformats.org/markup-compatibility/2006">
+          <mc:Choice xmlns:a14="http://schemas.microsoft.com/office/drawing/2010/main" Requires="a14">
+            <p:sp>
+              <p:nvSpPr>
+                <p:cNvPr id="67" name="TextBox 66">
+                  <a:extLst>
+                    <a:ext uri="{FF2B5EF4-FFF2-40B4-BE49-F238E27FC236}">
+                      <a16:creationId xmlns:a16="http://schemas.microsoft.com/office/drawing/2014/main" id="{EA69B503-8F5A-45BC-8211-73C3382EF6AF}"/>
+                    </a:ext>
+                  </a:extLst>
+                </p:cNvPr>
+                <p:cNvSpPr txBox="1"/>
+                <p:nvPr/>
+              </p:nvSpPr>
+              <p:spPr>
+                <a:xfrm>
+                  <a:off x="6243626" y="1120470"/>
+                  <a:ext cx="343940" cy="307777"/>
+                </a:xfrm>
+                <a:prstGeom prst="rect">
+                  <a:avLst/>
+                </a:prstGeom>
+                <a:noFill/>
+              </p:spPr>
+              <p:txBody>
+                <a:bodyPr wrap="square" lIns="0" tIns="0" rIns="0" bIns="0" rtlCol="0">
+                  <a:spAutoFit/>
+                </a:bodyPr>
+                <a:lstStyle/>
+                <a:p>
+                  <a:pPr/>
+                  <a14:m>
+                    <m:oMathPara xmlns:m="http://schemas.openxmlformats.org/officeDocument/2006/math">
+                      <m:oMathParaPr>
+                        <m:jc m:val="centerGroup"/>
+                      </m:oMathParaPr>
+                      <m:oMath xmlns:m="http://schemas.openxmlformats.org/officeDocument/2006/math">
+                        <m:sSub>
+                          <m:sSubPr>
+                            <m:ctrlPr>
+                              <a:rPr lang="en-US" altLang="ko-KR" sz="2000" i="1" smtClean="0">
+                                <a:latin typeface="Cambria Math" panose="02040503050406030204" pitchFamily="18" charset="0"/>
+                              </a:rPr>
+                            </m:ctrlPr>
+                          </m:sSubPr>
+                          <m:e>
+                            <m:r>
+                              <a:rPr lang="en-US" altLang="ko-KR" sz="2000" b="0" i="1" smtClean="0">
+                                <a:latin typeface="Cambria Math" panose="02040503050406030204" pitchFamily="18" charset="0"/>
+                              </a:rPr>
+                              <m:t>𝑥</m:t>
+                            </m:r>
+                          </m:e>
+                          <m:sub>
+                            <m:r>
+                              <a:rPr lang="en-US" altLang="ko-KR" sz="2000" b="0" i="1" smtClean="0">
+                                <a:latin typeface="Cambria Math" panose="02040503050406030204" pitchFamily="18" charset="0"/>
+                              </a:rPr>
+                              <m:t>1</m:t>
+                            </m:r>
+                          </m:sub>
+                        </m:sSub>
+                      </m:oMath>
+                    </m:oMathPara>
+                  </a14:m>
+                  <a:endParaRPr lang="ko-KR" altLang="en-US" sz="2000" dirty="0"/>
+                </a:p>
+              </p:txBody>
+            </p:sp>
+          </mc:Choice>
+          <mc:Fallback>
+            <p:sp>
+              <p:nvSpPr>
+                <p:cNvPr id="67" name="TextBox 66">
+                  <a:extLst>
+                    <a:ext uri="{FF2B5EF4-FFF2-40B4-BE49-F238E27FC236}">
+                      <a16:creationId xmlns:a16="http://schemas.microsoft.com/office/drawing/2014/main" id="{EA69B503-8F5A-45BC-8211-73C3382EF6AF}"/>
+                    </a:ext>
+                  </a:extLst>
+                </p:cNvPr>
+                <p:cNvSpPr txBox="1">
+                  <a:spLocks noRot="1" noChangeAspect="1" noMove="1" noResize="1" noEditPoints="1" noAdjustHandles="1" noChangeArrowheads="1" noChangeShapeType="1" noTextEdit="1"/>
+                </p:cNvSpPr>
+                <p:nvPr/>
+              </p:nvSpPr>
+              <p:spPr>
+                <a:xfrm>
+                  <a:off x="6243626" y="1120470"/>
+                  <a:ext cx="343940" cy="307777"/>
+                </a:xfrm>
+                <a:prstGeom prst="rect">
+                  <a:avLst/>
+                </a:prstGeom>
+                <a:blipFill>
+                  <a:blip r:embed="rId14"/>
+                  <a:stretch>
+                    <a:fillRect l="-5357" r="-1786" b="-20000"/>
+                  </a:stretch>
+                </a:blipFill>
+              </p:spPr>
+              <p:txBody>
+                <a:bodyPr/>
+                <a:lstStyle/>
+                <a:p>
+                  <a:r>
+                    <a:rPr lang="ko-KR" altLang="en-US">
+                      <a:noFill/>
+                    </a:rPr>
+                    <a:t> </a:t>
+                  </a:r>
+                </a:p>
+              </p:txBody>
+            </p:sp>
+          </mc:Fallback>
+        </mc:AlternateContent>
+        <mc:AlternateContent xmlns:mc="http://schemas.openxmlformats.org/markup-compatibility/2006">
+          <mc:Choice xmlns:a14="http://schemas.microsoft.com/office/drawing/2010/main" Requires="a14">
+            <p:sp>
+              <p:nvSpPr>
+                <p:cNvPr id="69" name="TextBox 68">
+                  <a:extLst>
+                    <a:ext uri="{FF2B5EF4-FFF2-40B4-BE49-F238E27FC236}">
+                      <a16:creationId xmlns:a16="http://schemas.microsoft.com/office/drawing/2014/main" id="{D001861B-3662-4C18-80F6-0BF6E7CB0A87}"/>
+                    </a:ext>
+                  </a:extLst>
+                </p:cNvPr>
+                <p:cNvSpPr txBox="1"/>
+                <p:nvPr/>
+              </p:nvSpPr>
+              <p:spPr>
+                <a:xfrm>
+                  <a:off x="6243626" y="1422144"/>
+                  <a:ext cx="343940" cy="307777"/>
+                </a:xfrm>
+                <a:prstGeom prst="rect">
+                  <a:avLst/>
+                </a:prstGeom>
+                <a:noFill/>
+              </p:spPr>
+              <p:txBody>
+                <a:bodyPr wrap="square" lIns="0" tIns="0" rIns="0" bIns="0" rtlCol="0">
+                  <a:spAutoFit/>
+                </a:bodyPr>
+                <a:lstStyle/>
+                <a:p>
+                  <a:pPr/>
+                  <a14:m>
+                    <m:oMathPara xmlns:m="http://schemas.openxmlformats.org/officeDocument/2006/math">
+                      <m:oMathParaPr>
+                        <m:jc m:val="centerGroup"/>
+                      </m:oMathParaPr>
+                      <m:oMath xmlns:m="http://schemas.openxmlformats.org/officeDocument/2006/math">
+                        <m:sSub>
+                          <m:sSubPr>
+                            <m:ctrlPr>
+                              <a:rPr lang="en-US" altLang="ko-KR" sz="2000" i="1" smtClean="0">
+                                <a:latin typeface="Cambria Math" panose="02040503050406030204" pitchFamily="18" charset="0"/>
+                              </a:rPr>
+                            </m:ctrlPr>
+                          </m:sSubPr>
+                          <m:e>
+                            <m:r>
+                              <a:rPr lang="en-US" altLang="ko-KR" sz="2000" b="0" i="1" smtClean="0">
+                                <a:latin typeface="Cambria Math" panose="02040503050406030204" pitchFamily="18" charset="0"/>
+                              </a:rPr>
+                              <m:t>𝑥</m:t>
+                            </m:r>
+                          </m:e>
+                          <m:sub>
+                            <m:r>
+                              <a:rPr lang="en-US" altLang="ko-KR" sz="2000" b="0" i="1" smtClean="0">
+                                <a:latin typeface="Cambria Math" panose="02040503050406030204" pitchFamily="18" charset="0"/>
+                              </a:rPr>
+                              <m:t>2</m:t>
+                            </m:r>
+                          </m:sub>
+                        </m:sSub>
+                      </m:oMath>
+                    </m:oMathPara>
+                  </a14:m>
+                  <a:endParaRPr lang="ko-KR" altLang="en-US" sz="2000" dirty="0"/>
+                </a:p>
+              </p:txBody>
+            </p:sp>
+          </mc:Choice>
+          <mc:Fallback>
+            <p:sp>
+              <p:nvSpPr>
+                <p:cNvPr id="69" name="TextBox 68">
+                  <a:extLst>
+                    <a:ext uri="{FF2B5EF4-FFF2-40B4-BE49-F238E27FC236}">
+                      <a16:creationId xmlns:a16="http://schemas.microsoft.com/office/drawing/2014/main" id="{D001861B-3662-4C18-80F6-0BF6E7CB0A87}"/>
+                    </a:ext>
+                  </a:extLst>
+                </p:cNvPr>
+                <p:cNvSpPr txBox="1">
+                  <a:spLocks noRot="1" noChangeAspect="1" noMove="1" noResize="1" noEditPoints="1" noAdjustHandles="1" noChangeArrowheads="1" noChangeShapeType="1" noTextEdit="1"/>
+                </p:cNvSpPr>
+                <p:nvPr/>
+              </p:nvSpPr>
+              <p:spPr>
+                <a:xfrm>
+                  <a:off x="6243626" y="1422144"/>
+                  <a:ext cx="343940" cy="307777"/>
+                </a:xfrm>
+                <a:prstGeom prst="rect">
+                  <a:avLst/>
+                </a:prstGeom>
+                <a:blipFill>
+                  <a:blip r:embed="rId15"/>
+                  <a:stretch>
+                    <a:fillRect l="-5357" r="-3571" b="-19608"/>
+                  </a:stretch>
+                </a:blipFill>
+              </p:spPr>
+              <p:txBody>
+                <a:bodyPr/>
+                <a:lstStyle/>
+                <a:p>
+                  <a:r>
+                    <a:rPr lang="ko-KR" altLang="en-US">
+                      <a:noFill/>
+                    </a:rPr>
+                    <a:t> </a:t>
+                  </a:r>
+                </a:p>
+              </p:txBody>
+            </p:sp>
+          </mc:Fallback>
+        </mc:AlternateContent>
+        <p:sp>
+          <p:nvSpPr>
+            <p:cNvPr id="71" name="TextBox 70">
+              <a:extLst>
+                <a:ext uri="{FF2B5EF4-FFF2-40B4-BE49-F238E27FC236}">
+                  <a16:creationId xmlns:a16="http://schemas.microsoft.com/office/drawing/2014/main" id="{231F97EC-A1EC-4A76-AEE6-D4E98BF3718D}"/>
+                </a:ext>
+              </a:extLst>
+            </p:cNvPr>
+            <p:cNvSpPr txBox="1"/>
+            <p:nvPr/>
+          </p:nvSpPr>
+          <p:spPr>
+            <a:xfrm>
+              <a:off x="6243626" y="3257464"/>
+              <a:ext cx="343940" cy="923330"/>
+            </a:xfrm>
+            <a:prstGeom prst="rect">
+              <a:avLst/>
+            </a:prstGeom>
+            <a:noFill/>
+          </p:spPr>
+          <p:txBody>
+            <a:bodyPr wrap="square" lIns="0" tIns="0" rIns="0" bIns="0" rtlCol="0">
+              <a:spAutoFit/>
+            </a:bodyPr>
+            <a:lstStyle/>
+            <a:p>
+              <a:pPr algn="ctr"/>
+              <a:r>
+                <a:rPr lang="en-US" altLang="ko-KR" sz="2000" dirty="0"/>
+                <a:t>.</a:t>
+              </a:r>
+            </a:p>
+            <a:p>
+              <a:pPr algn="ctr"/>
+              <a:r>
+                <a:rPr lang="en-US" altLang="ko-KR" sz="2000" dirty="0"/>
+                <a:t>.</a:t>
+              </a:r>
+            </a:p>
+            <a:p>
+              <a:pPr algn="ctr"/>
+              <a:r>
+                <a:rPr lang="en-US" altLang="ko-KR" sz="2000" dirty="0"/>
+                <a:t>.</a:t>
+              </a:r>
+              <a:endParaRPr lang="ko-KR" altLang="en-US" sz="2000" dirty="0"/>
+            </a:p>
+          </p:txBody>
+        </p:sp>
+        <mc:AlternateContent xmlns:mc="http://schemas.openxmlformats.org/markup-compatibility/2006">
+          <mc:Choice xmlns:a14="http://schemas.microsoft.com/office/drawing/2010/main" Requires="a14">
+            <p:sp>
+              <p:nvSpPr>
+                <p:cNvPr id="73" name="TextBox 72">
+                  <a:extLst>
+                    <a:ext uri="{FF2B5EF4-FFF2-40B4-BE49-F238E27FC236}">
+                      <a16:creationId xmlns:a16="http://schemas.microsoft.com/office/drawing/2014/main" id="{D168C24B-5D69-496C-AF4B-4B5D92821FBB}"/>
+                    </a:ext>
+                  </a:extLst>
+                </p:cNvPr>
+                <p:cNvSpPr txBox="1"/>
+                <p:nvPr/>
+              </p:nvSpPr>
+              <p:spPr>
+                <a:xfrm>
+                  <a:off x="6243626" y="6289466"/>
+                  <a:ext cx="343940" cy="307777"/>
+                </a:xfrm>
+                <a:prstGeom prst="rect">
+                  <a:avLst/>
+                </a:prstGeom>
+                <a:noFill/>
+              </p:spPr>
+              <p:txBody>
+                <a:bodyPr wrap="square" lIns="0" tIns="0" rIns="0" bIns="0" rtlCol="0">
+                  <a:spAutoFit/>
+                </a:bodyPr>
+                <a:lstStyle/>
+                <a:p>
+                  <a:pPr/>
+                  <a14:m>
+                    <m:oMathPara xmlns:m="http://schemas.openxmlformats.org/officeDocument/2006/math">
+                      <m:oMathParaPr>
+                        <m:jc m:val="centerGroup"/>
+                      </m:oMathParaPr>
+                      <m:oMath xmlns:m="http://schemas.openxmlformats.org/officeDocument/2006/math">
+                        <m:sSub>
+                          <m:sSubPr>
+                            <m:ctrlPr>
+                              <a:rPr lang="en-US" altLang="ko-KR" sz="2000" i="1" smtClean="0">
+                                <a:latin typeface="Cambria Math" panose="02040503050406030204" pitchFamily="18" charset="0"/>
+                              </a:rPr>
+                            </m:ctrlPr>
+                          </m:sSubPr>
+                          <m:e>
+                            <m:r>
+                              <a:rPr lang="en-US" altLang="ko-KR" sz="2000" b="0" i="1" smtClean="0">
+                                <a:latin typeface="Cambria Math" panose="02040503050406030204" pitchFamily="18" charset="0"/>
+                              </a:rPr>
+                              <m:t>𝑥</m:t>
+                            </m:r>
+                          </m:e>
+                          <m:sub>
+                            <m:r>
+                              <a:rPr lang="en-US" altLang="ko-KR" sz="2000" b="0" i="1" smtClean="0">
+                                <a:latin typeface="Cambria Math" panose="02040503050406030204" pitchFamily="18" charset="0"/>
+                              </a:rPr>
+                              <m:t>783</m:t>
+                            </m:r>
+                          </m:sub>
+                        </m:sSub>
+                      </m:oMath>
+                    </m:oMathPara>
+                  </a14:m>
+                  <a:endParaRPr lang="ko-KR" altLang="en-US" sz="2000" dirty="0"/>
+                </a:p>
+              </p:txBody>
+            </p:sp>
+          </mc:Choice>
+          <mc:Fallback>
+            <p:sp>
+              <p:nvSpPr>
+                <p:cNvPr id="73" name="TextBox 72">
+                  <a:extLst>
+                    <a:ext uri="{FF2B5EF4-FFF2-40B4-BE49-F238E27FC236}">
+                      <a16:creationId xmlns:a16="http://schemas.microsoft.com/office/drawing/2014/main" id="{D168C24B-5D69-496C-AF4B-4B5D92821FBB}"/>
+                    </a:ext>
+                  </a:extLst>
+                </p:cNvPr>
+                <p:cNvSpPr txBox="1">
+                  <a:spLocks noRot="1" noChangeAspect="1" noMove="1" noResize="1" noEditPoints="1" noAdjustHandles="1" noChangeArrowheads="1" noChangeShapeType="1" noTextEdit="1"/>
+                </p:cNvSpPr>
+                <p:nvPr/>
+              </p:nvSpPr>
+              <p:spPr>
+                <a:xfrm>
+                  <a:off x="6243626" y="6289466"/>
+                  <a:ext cx="343940" cy="307777"/>
+                </a:xfrm>
+                <a:prstGeom prst="rect">
+                  <a:avLst/>
+                </a:prstGeom>
+                <a:blipFill>
+                  <a:blip r:embed="rId16"/>
+                  <a:stretch>
+                    <a:fillRect l="-19643" r="-53571" b="-20000"/>
+                  </a:stretch>
+                </a:blipFill>
+              </p:spPr>
+              <p:txBody>
+                <a:bodyPr/>
+                <a:lstStyle/>
+                <a:p>
+                  <a:r>
+                    <a:rPr lang="ko-KR" altLang="en-US">
+                      <a:noFill/>
+                    </a:rPr>
+                    <a:t> </a:t>
+                  </a:r>
+                </a:p>
+              </p:txBody>
+            </p:sp>
+          </mc:Fallback>
+        </mc:AlternateContent>
+      </p:grpSp>
+      <p:cxnSp>
+        <p:nvCxnSpPr>
+          <p:cNvPr id="100" name="직선 화살표 연결선 99">
+            <a:extLst>
+              <a:ext uri="{FF2B5EF4-FFF2-40B4-BE49-F238E27FC236}">
+                <a16:creationId xmlns:a16="http://schemas.microsoft.com/office/drawing/2014/main" id="{0BB06A15-27D7-4969-8A7E-0F310355604B}"/>
+              </a:ext>
+            </a:extLst>
+          </p:cNvPr>
+          <p:cNvCxnSpPr>
+            <a:cxnSpLocks/>
+          </p:cNvCxnSpPr>
+          <p:nvPr/>
+        </p:nvCxnSpPr>
+        <p:spPr>
+          <a:xfrm>
+            <a:off x="5353552" y="3791455"/>
+            <a:ext cx="630315" cy="0"/>
+          </a:xfrm>
+          <a:prstGeom prst="straightConnector1">
+            <a:avLst/>
+          </a:prstGeom>
+          <a:ln w="38100">
+            <a:solidFill>
+              <a:schemeClr val="tx1"/>
+            </a:solidFill>
+            <a:tailEnd type="triangle"/>
+          </a:ln>
+        </p:spPr>
+        <p:style>
+          <a:lnRef idx="1">
+            <a:schemeClr val="accent1"/>
+          </a:lnRef>
+          <a:fillRef idx="0">
+            <a:schemeClr val="accent1"/>
+          </a:fillRef>
+          <a:effectRef idx="0">
+            <a:schemeClr val="accent1"/>
+          </a:effectRef>
+          <a:fontRef idx="minor">
+            <a:schemeClr val="tx1"/>
+          </a:fontRef>
+        </p:style>
+      </p:cxnSp>
+      <p:sp>
+        <p:nvSpPr>
+          <p:cNvPr id="103" name="TextBox 102">
+            <a:extLst>
+              <a:ext uri="{FF2B5EF4-FFF2-40B4-BE49-F238E27FC236}">
+                <a16:creationId xmlns:a16="http://schemas.microsoft.com/office/drawing/2014/main" id="{5F47E32D-28A9-4C95-A016-9136FB9D38CA}"/>
+              </a:ext>
+            </a:extLst>
+          </p:cNvPr>
+          <p:cNvSpPr txBox="1"/>
+          <p:nvPr/>
+        </p:nvSpPr>
+        <p:spPr>
+          <a:xfrm>
+            <a:off x="5177228" y="3387217"/>
+            <a:ext cx="1020279" cy="400110"/>
+          </a:xfrm>
+          <a:prstGeom prst="rect">
+            <a:avLst/>
+          </a:prstGeom>
+          <a:noFill/>
+        </p:spPr>
+        <p:txBody>
+          <a:bodyPr wrap="none" rtlCol="0">
+            <a:spAutoFit/>
+          </a:bodyPr>
+          <a:lstStyle/>
+          <a:p>
+            <a:r>
+              <a:rPr lang="en-US" altLang="ko-KR" sz="2000" b="1" dirty="0"/>
+              <a:t>Flatten</a:t>
+            </a:r>
+            <a:endParaRPr lang="ko-KR" altLang="en-US" sz="2000" b="1" dirty="0"/>
+          </a:p>
+        </p:txBody>
+      </p:sp>
+      <p:cxnSp>
+        <p:nvCxnSpPr>
+          <p:cNvPr id="102" name="직선 화살표 연결선 101">
+            <a:extLst>
+              <a:ext uri="{FF2B5EF4-FFF2-40B4-BE49-F238E27FC236}">
+                <a16:creationId xmlns:a16="http://schemas.microsoft.com/office/drawing/2014/main" id="{E4856612-AA37-4552-A249-FA0DC97239EC}"/>
+              </a:ext>
+            </a:extLst>
+          </p:cNvPr>
+          <p:cNvCxnSpPr>
+            <a:cxnSpLocks/>
+          </p:cNvCxnSpPr>
+          <p:nvPr/>
+        </p:nvCxnSpPr>
+        <p:spPr>
+          <a:xfrm>
+            <a:off x="9714596" y="3791455"/>
+            <a:ext cx="630315" cy="0"/>
+          </a:xfrm>
+          <a:prstGeom prst="straightConnector1">
+            <a:avLst/>
+          </a:prstGeom>
+          <a:ln w="38100">
+            <a:solidFill>
+              <a:schemeClr val="tx1"/>
+            </a:solidFill>
+            <a:tailEnd type="triangle"/>
+          </a:ln>
+        </p:spPr>
+        <p:style>
+          <a:lnRef idx="1">
+            <a:schemeClr val="accent1"/>
+          </a:lnRef>
+          <a:fillRef idx="0">
+            <a:schemeClr val="accent1"/>
+          </a:fillRef>
+          <a:effectRef idx="0">
+            <a:schemeClr val="accent1"/>
+          </a:effectRef>
+          <a:fontRef idx="minor">
+            <a:schemeClr val="tx1"/>
+          </a:fontRef>
+        </p:style>
+      </p:cxnSp>
+      <p:sp>
+        <p:nvSpPr>
+          <p:cNvPr id="107" name="TextBox 106">
+            <a:extLst>
+              <a:ext uri="{FF2B5EF4-FFF2-40B4-BE49-F238E27FC236}">
+                <a16:creationId xmlns:a16="http://schemas.microsoft.com/office/drawing/2014/main" id="{B1B185FA-F92F-4FB7-95FA-04C060F71E0D}"/>
+              </a:ext>
+            </a:extLst>
+          </p:cNvPr>
+          <p:cNvSpPr txBox="1"/>
+          <p:nvPr/>
+        </p:nvSpPr>
+        <p:spPr>
+          <a:xfrm>
+            <a:off x="9322380" y="3387214"/>
+            <a:ext cx="1414746" cy="400110"/>
+          </a:xfrm>
+          <a:prstGeom prst="rect">
+            <a:avLst/>
+          </a:prstGeom>
+          <a:noFill/>
+        </p:spPr>
+        <p:txBody>
+          <a:bodyPr wrap="none" rtlCol="0">
+            <a:spAutoFit/>
+          </a:bodyPr>
+          <a:lstStyle/>
+          <a:p>
+            <a:r>
+              <a:rPr lang="en-US" altLang="ko-KR" sz="2000" b="1" dirty="0"/>
+              <a:t>Activation</a:t>
+            </a:r>
+            <a:endParaRPr lang="ko-KR" altLang="en-US" sz="2000" b="1" dirty="0"/>
+          </a:p>
+        </p:txBody>
+      </p:sp>
+      <p:cxnSp>
+        <p:nvCxnSpPr>
+          <p:cNvPr id="114" name="직선 연결선 113">
+            <a:extLst>
+              <a:ext uri="{FF2B5EF4-FFF2-40B4-BE49-F238E27FC236}">
+                <a16:creationId xmlns:a16="http://schemas.microsoft.com/office/drawing/2014/main" id="{9457AF15-1DD9-45C9-B8F1-2D2B0E0651AE}"/>
+              </a:ext>
+            </a:extLst>
+          </p:cNvPr>
+          <p:cNvCxnSpPr/>
+          <p:nvPr/>
+        </p:nvCxnSpPr>
+        <p:spPr>
+          <a:xfrm>
+            <a:off x="7118928" y="792595"/>
+            <a:ext cx="1344607" cy="1857652"/>
+          </a:xfrm>
+          <a:prstGeom prst="line">
+            <a:avLst/>
+          </a:prstGeom>
+          <a:ln w="25400">
+            <a:solidFill>
+              <a:schemeClr val="tx1"/>
+            </a:solidFill>
+          </a:ln>
+        </p:spPr>
+        <p:style>
+          <a:lnRef idx="1">
+            <a:schemeClr val="accent1"/>
+          </a:lnRef>
+          <a:fillRef idx="0">
+            <a:schemeClr val="accent1"/>
+          </a:fillRef>
+          <a:effectRef idx="0">
+            <a:schemeClr val="accent1"/>
+          </a:effectRef>
+          <a:fontRef idx="minor">
+            <a:schemeClr val="tx1"/>
+          </a:fontRef>
+        </p:style>
+      </p:cxnSp>
+      <p:cxnSp>
+        <p:nvCxnSpPr>
+          <p:cNvPr id="115" name="직선 연결선 114">
+            <a:extLst>
+              <a:ext uri="{FF2B5EF4-FFF2-40B4-BE49-F238E27FC236}">
+                <a16:creationId xmlns:a16="http://schemas.microsoft.com/office/drawing/2014/main" id="{F5BB91E6-D260-47D3-8F7F-022092D49BDF}"/>
+              </a:ext>
+            </a:extLst>
+          </p:cNvPr>
+          <p:cNvCxnSpPr>
+            <a:cxnSpLocks/>
+          </p:cNvCxnSpPr>
+          <p:nvPr/>
+        </p:nvCxnSpPr>
+        <p:spPr>
+          <a:xfrm flipV="1">
+            <a:off x="7118927" y="4758696"/>
+            <a:ext cx="1344608" cy="1857652"/>
+          </a:xfrm>
+          <a:prstGeom prst="line">
+            <a:avLst/>
+          </a:prstGeom>
+          <a:ln w="25400">
+            <a:solidFill>
+              <a:schemeClr val="tx1"/>
+            </a:solidFill>
+          </a:ln>
+        </p:spPr>
+        <p:style>
+          <a:lnRef idx="1">
+            <a:schemeClr val="accent1"/>
+          </a:lnRef>
+          <a:fillRef idx="0">
+            <a:schemeClr val="accent1"/>
+          </a:fillRef>
+          <a:effectRef idx="0">
+            <a:schemeClr val="accent1"/>
+          </a:effectRef>
+          <a:fontRef idx="minor">
+            <a:schemeClr val="tx1"/>
+          </a:fontRef>
+        </p:style>
+      </p:cxnSp>
+    </p:spTree>
+    <p:extLst>
+      <p:ext uri="{BB962C8B-B14F-4D97-AF65-F5344CB8AC3E}">
+        <p14:creationId xmlns:p14="http://schemas.microsoft.com/office/powerpoint/2010/main" val="2930324329"/>
+      </p:ext>
+    </p:extLst>
+  </p:cSld>
+  <p:clrMapOvr>
+    <a:masterClrMapping/>
+  </p:clrMapOvr>
+</p:sld>
+</file>
+
 <file path=ppt/theme/theme1.xml><?xml version="1.0" encoding="utf-8"?>
 <a:theme xmlns:a="http://schemas.openxmlformats.org/drawingml/2006/main" name="Office 테마">
   <a:themeElements>
@@ -5914,4 +8613,299 @@
     </a:ext>
   </a:extLst>
 </a:theme>
+</file>
+
+<file path=ppt/theme/theme2.xml><?xml version="1.0" encoding="utf-8"?>
+<a:theme xmlns:a="http://schemas.openxmlformats.org/drawingml/2006/main" name="Office 테마">
+  <a:themeElements>
+    <a:clrScheme name="Office">
+      <a:dk1>
+        <a:sysClr val="windowText" lastClr="000000"/>
+      </a:dk1>
+      <a:lt1>
+        <a:sysClr val="window" lastClr="FFFFFF"/>
+      </a:lt1>
+      <a:dk2>
+        <a:srgbClr val="44546A"/>
+      </a:dk2>
+      <a:lt2>
+        <a:srgbClr val="E7E6E6"/>
+      </a:lt2>
+      <a:accent1>
+        <a:srgbClr val="4472C4"/>
+      </a:accent1>
+      <a:accent2>
+        <a:srgbClr val="ED7D31"/>
+      </a:accent2>
+      <a:accent3>
+        <a:srgbClr val="A5A5A5"/>
+      </a:accent3>
+      <a:accent4>
+        <a:srgbClr val="FFC000"/>
+      </a:accent4>
+      <a:accent5>
+        <a:srgbClr val="5B9BD5"/>
+      </a:accent5>
+      <a:accent6>
+        <a:srgbClr val="70AD47"/>
+      </a:accent6>
+      <a:hlink>
+        <a:srgbClr val="0563C1"/>
+      </a:hlink>
+      <a:folHlink>
+        <a:srgbClr val="954F72"/>
+      </a:folHlink>
+    </a:clrScheme>
+    <a:fontScheme name="Office">
+      <a:majorFont>
+        <a:latin typeface="맑은 고딕" panose="020F0302020204030204"/>
+        <a:ea typeface=""/>
+        <a:cs typeface=""/>
+        <a:font script="Jpan" typeface="游ゴシック Light"/>
+        <a:font script="Hang" typeface="맑은 고딕"/>
+        <a:font script="Hans" typeface="等线 Light"/>
+        <a:font script="Hant" typeface="新細明體"/>
+        <a:font script="Arab" typeface="Times New Roman"/>
+        <a:font script="Hebr" typeface="Times New Roman"/>
+        <a:font script="Thai" typeface="Angsana New"/>
+        <a:font script="Ethi" typeface="Nyala"/>
+        <a:font script="Beng" typeface="Vrinda"/>
+        <a:font script="Gujr" typeface="Shruti"/>
+        <a:font script="Khmr" typeface="MoolBoran"/>
+        <a:font script="Knda" typeface="Tunga"/>
+        <a:font script="Guru" typeface="Raavi"/>
+        <a:font script="Cans" typeface="Euphemia"/>
+        <a:font script="Cher" typeface="Plantagenet Cherokee"/>
+        <a:font script="Yiii" typeface="Microsoft Yi Baiti"/>
+        <a:font script="Tibt" typeface="Microsoft Himalaya"/>
+        <a:font script="Thaa" typeface="MV Boli"/>
+        <a:font script="Deva" typeface="Mangal"/>
+        <a:font script="Telu" typeface="Gautami"/>
+        <a:font script="Taml" typeface="Latha"/>
+        <a:font script="Syrc" typeface="Estrangelo Edessa"/>
+        <a:font script="Orya" typeface="Kalinga"/>
+        <a:font script="Mlym" typeface="Kartika"/>
+        <a:font script="Laoo" typeface="DokChampa"/>
+        <a:font script="Sinh" typeface="Iskoola Pota"/>
+        <a:font script="Mong" typeface="Mongolian Baiti"/>
+        <a:font script="Viet" typeface="Times New Roman"/>
+        <a:font script="Uigh" typeface="Microsoft Uighur"/>
+        <a:font script="Geor" typeface="Sylfaen"/>
+        <a:font script="Armn" typeface="Arial"/>
+        <a:font script="Bugi" typeface="Leelawadee UI"/>
+        <a:font script="Bopo" typeface="Microsoft JhengHei"/>
+        <a:font script="Java" typeface="Javanese Text"/>
+        <a:font script="Lisu" typeface="Segoe UI"/>
+        <a:font script="Mymr" typeface="Myanmar Text"/>
+        <a:font script="Nkoo" typeface="Ebrima"/>
+        <a:font script="Olck" typeface="Nirmala UI"/>
+        <a:font script="Osma" typeface="Ebrima"/>
+        <a:font script="Phag" typeface="Phagspa"/>
+        <a:font script="Syrn" typeface="Estrangelo Edessa"/>
+        <a:font script="Syrj" typeface="Estrangelo Edessa"/>
+        <a:font script="Syre" typeface="Estrangelo Edessa"/>
+        <a:font script="Sora" typeface="Nirmala UI"/>
+        <a:font script="Tale" typeface="Microsoft Tai Le"/>
+        <a:font script="Talu" typeface="Microsoft New Tai Lue"/>
+        <a:font script="Tfng" typeface="Ebrima"/>
+      </a:majorFont>
+      <a:minorFont>
+        <a:latin typeface="맑은 고딕" panose="020F0502020204030204"/>
+        <a:ea typeface=""/>
+        <a:cs typeface=""/>
+        <a:font script="Jpan" typeface="游ゴシック"/>
+        <a:font script="Hang" typeface="맑은 고딕"/>
+        <a:font script="Hans" typeface="等线"/>
+        <a:font script="Hant" typeface="新細明體"/>
+        <a:font script="Arab" typeface="Arial"/>
+        <a:font script="Hebr" typeface="Arial"/>
+        <a:font script="Thai" typeface="Cordia New"/>
+        <a:font script="Ethi" typeface="Nyala"/>
+        <a:font script="Beng" typeface="Vrinda"/>
+        <a:font script="Gujr" typeface="Shruti"/>
+        <a:font script="Khmr" typeface="DaunPenh"/>
+        <a:font script="Knda" typeface="Tunga"/>
+        <a:font script="Guru" typeface="Raavi"/>
+        <a:font script="Cans" typeface="Euphemia"/>
+        <a:font script="Cher" typeface="Plantagenet Cherokee"/>
+        <a:font script="Yiii" typeface="Microsoft Yi Baiti"/>
+        <a:font script="Tibt" typeface="Microsoft Himalaya"/>
+        <a:font script="Thaa" typeface="MV Boli"/>
+        <a:font script="Deva" typeface="Mangal"/>
+        <a:font script="Telu" typeface="Gautami"/>
+        <a:font script="Taml" typeface="Latha"/>
+        <a:font script="Syrc" typeface="Estrangelo Edessa"/>
+        <a:font script="Orya" typeface="Kalinga"/>
+        <a:font script="Mlym" typeface="Kartika"/>
+        <a:font script="Laoo" typeface="DokChampa"/>
+        <a:font script="Sinh" typeface="Iskoola Pota"/>
+        <a:font script="Mong" typeface="Mongolian Baiti"/>
+        <a:font script="Viet" typeface="Arial"/>
+        <a:font script="Uigh" typeface="Microsoft Uighur"/>
+        <a:font script="Geor" typeface="Sylfaen"/>
+        <a:font script="Armn" typeface="Arial"/>
+        <a:font script="Bugi" typeface="Leelawadee UI"/>
+        <a:font script="Bopo" typeface="Microsoft JhengHei"/>
+        <a:font script="Java" typeface="Javanese Text"/>
+        <a:font script="Lisu" typeface="Segoe UI"/>
+        <a:font script="Mymr" typeface="Myanmar Text"/>
+        <a:font script="Nkoo" typeface="Ebrima"/>
+        <a:font script="Olck" typeface="Nirmala UI"/>
+        <a:font script="Osma" typeface="Ebrima"/>
+        <a:font script="Phag" typeface="Phagspa"/>
+        <a:font script="Syrn" typeface="Estrangelo Edessa"/>
+        <a:font script="Syrj" typeface="Estrangelo Edessa"/>
+        <a:font script="Syre" typeface="Estrangelo Edessa"/>
+        <a:font script="Sora" typeface="Nirmala UI"/>
+        <a:font script="Tale" typeface="Microsoft Tai Le"/>
+        <a:font script="Talu" typeface="Microsoft New Tai Lue"/>
+        <a:font script="Tfng" typeface="Ebrima"/>
+      </a:minorFont>
+    </a:fontScheme>
+    <a:fmtScheme name="Office">
+      <a:fillStyleLst>
+        <a:solidFill>
+          <a:schemeClr val="phClr"/>
+        </a:solidFill>
+        <a:gradFill rotWithShape="1">
+          <a:gsLst>
+            <a:gs pos="0">
+              <a:schemeClr val="phClr">
+                <a:lumMod val="110000"/>
+                <a:satMod val="105000"/>
+                <a:tint val="67000"/>
+              </a:schemeClr>
+            </a:gs>
+            <a:gs pos="50000">
+              <a:schemeClr val="phClr">
+                <a:lumMod val="105000"/>
+                <a:satMod val="103000"/>
+                <a:tint val="73000"/>
+              </a:schemeClr>
+            </a:gs>
+            <a:gs pos="100000">
+              <a:schemeClr val="phClr">
+                <a:lumMod val="105000"/>
+                <a:satMod val="109000"/>
+                <a:tint val="81000"/>
+              </a:schemeClr>
+            </a:gs>
+          </a:gsLst>
+          <a:lin ang="5400000" scaled="0"/>
+        </a:gradFill>
+        <a:gradFill rotWithShape="1">
+          <a:gsLst>
+            <a:gs pos="0">
+              <a:schemeClr val="phClr">
+                <a:satMod val="103000"/>
+                <a:lumMod val="102000"/>
+                <a:tint val="94000"/>
+              </a:schemeClr>
+            </a:gs>
+            <a:gs pos="50000">
+              <a:schemeClr val="phClr">
+                <a:satMod val="110000"/>
+                <a:lumMod val="100000"/>
+                <a:shade val="100000"/>
+              </a:schemeClr>
+            </a:gs>
+            <a:gs pos="100000">
+              <a:schemeClr val="phClr">
+                <a:lumMod val="99000"/>
+                <a:satMod val="120000"/>
+                <a:shade val="78000"/>
+              </a:schemeClr>
+            </a:gs>
+          </a:gsLst>
+          <a:lin ang="5400000" scaled="0"/>
+        </a:gradFill>
+      </a:fillStyleLst>
+      <a:lnStyleLst>
+        <a:ln w="6350" cap="flat" cmpd="sng" algn="ctr">
+          <a:solidFill>
+            <a:schemeClr val="phClr"/>
+          </a:solidFill>
+          <a:prstDash val="solid"/>
+          <a:miter lim="800000"/>
+        </a:ln>
+        <a:ln w="12700" cap="flat" cmpd="sng" algn="ctr">
+          <a:solidFill>
+            <a:schemeClr val="phClr"/>
+          </a:solidFill>
+          <a:prstDash val="solid"/>
+          <a:miter lim="800000"/>
+        </a:ln>
+        <a:ln w="19050" cap="flat" cmpd="sng" algn="ctr">
+          <a:solidFill>
+            <a:schemeClr val="phClr"/>
+          </a:solidFill>
+          <a:prstDash val="solid"/>
+          <a:miter lim="800000"/>
+        </a:ln>
+      </a:lnStyleLst>
+      <a:effectStyleLst>
+        <a:effectStyle>
+          <a:effectLst/>
+        </a:effectStyle>
+        <a:effectStyle>
+          <a:effectLst/>
+        </a:effectStyle>
+        <a:effectStyle>
+          <a:effectLst>
+            <a:outerShdw blurRad="57150" dist="19050" dir="5400000" algn="ctr" rotWithShape="0">
+              <a:srgbClr val="000000">
+                <a:alpha val="63000"/>
+              </a:srgbClr>
+            </a:outerShdw>
+          </a:effectLst>
+        </a:effectStyle>
+      </a:effectStyleLst>
+      <a:bgFillStyleLst>
+        <a:solidFill>
+          <a:schemeClr val="phClr"/>
+        </a:solidFill>
+        <a:solidFill>
+          <a:schemeClr val="phClr">
+            <a:tint val="95000"/>
+            <a:satMod val="170000"/>
+          </a:schemeClr>
+        </a:solidFill>
+        <a:gradFill rotWithShape="1">
+          <a:gsLst>
+            <a:gs pos="0">
+              <a:schemeClr val="phClr">
+                <a:tint val="93000"/>
+                <a:satMod val="150000"/>
+                <a:shade val="98000"/>
+                <a:lumMod val="102000"/>
+              </a:schemeClr>
+            </a:gs>
+            <a:gs pos="50000">
+              <a:schemeClr val="phClr">
+                <a:tint val="98000"/>
+                <a:satMod val="130000"/>
+                <a:shade val="90000"/>
+                <a:lumMod val="103000"/>
+              </a:schemeClr>
+            </a:gs>
+            <a:gs pos="100000">
+              <a:schemeClr val="phClr">
+                <a:shade val="63000"/>
+                <a:satMod val="120000"/>
+              </a:schemeClr>
+            </a:gs>
+          </a:gsLst>
+          <a:lin ang="5400000" scaled="0"/>
+        </a:gradFill>
+      </a:bgFillStyleLst>
+    </a:fmtScheme>
+  </a:themeElements>
+  <a:objectDefaults/>
+  <a:extraClrSchemeLst/>
+  <a:extLst>
+    <a:ext uri="{05A4C25C-085E-4340-85A3-A5531E510DB2}">
+      <thm15:themeFamily xmlns:thm15="http://schemas.microsoft.com/office/thememl/2012/main" name="Office Theme" id="{62F939B6-93AF-4DB8-9C6B-D6C7DFDC589F}" vid="{4A3C46E8-61CC-4603-A589-7422A47A8E4A}"/>
+    </a:ext>
+  </a:extLst>
+</a:theme>
 </file>